--- a/Coding Project/presentation/Coding Project Presentation.pptx
+++ b/Coding Project/presentation/Coding Project Presentation.pptx
@@ -5,23 +5,30 @@
     <p:sldMasterId id="2147483648" r:id="rId1"/>
   </p:sldMasterIdLst>
   <p:notesMasterIdLst>
-    <p:notesMasterId r:id="rId16"/>
+    <p:notesMasterId r:id="rId23"/>
   </p:notesMasterIdLst>
   <p:sldIdLst>
     <p:sldId id="257" r:id="rId2"/>
     <p:sldId id="259" r:id="rId3"/>
-    <p:sldId id="312" r:id="rId4"/>
-    <p:sldId id="319" r:id="rId5"/>
-    <p:sldId id="315" r:id="rId6"/>
-    <p:sldId id="311" r:id="rId7"/>
-    <p:sldId id="313" r:id="rId8"/>
-    <p:sldId id="321" r:id="rId9"/>
-    <p:sldId id="314" r:id="rId10"/>
-    <p:sldId id="322" r:id="rId11"/>
-    <p:sldId id="323" r:id="rId12"/>
-    <p:sldId id="324" r:id="rId13"/>
-    <p:sldId id="320" r:id="rId14"/>
-    <p:sldId id="310" r:id="rId15"/>
+    <p:sldId id="328" r:id="rId4"/>
+    <p:sldId id="312" r:id="rId5"/>
+    <p:sldId id="330" r:id="rId6"/>
+    <p:sldId id="319" r:id="rId7"/>
+    <p:sldId id="315" r:id="rId8"/>
+    <p:sldId id="311" r:id="rId9"/>
+    <p:sldId id="331" r:id="rId10"/>
+    <p:sldId id="313" r:id="rId11"/>
+    <p:sldId id="326" r:id="rId12"/>
+    <p:sldId id="325" r:id="rId13"/>
+    <p:sldId id="327" r:id="rId14"/>
+    <p:sldId id="314" r:id="rId15"/>
+    <p:sldId id="322" r:id="rId16"/>
+    <p:sldId id="323" r:id="rId17"/>
+    <p:sldId id="324" r:id="rId18"/>
+    <p:sldId id="320" r:id="rId19"/>
+    <p:sldId id="310" r:id="rId20"/>
+    <p:sldId id="332" r:id="rId21"/>
+    <p:sldId id="333" r:id="rId22"/>
   </p:sldIdLst>
   <p:sldSz cx="12192000" cy="6858000"/>
   <p:notesSz cx="6858000" cy="9144000"/>
@@ -218,7 +225,7 @@
           <a:p>
             <a:fld id="{CBA33E0E-CA16-4AF8-B9AC-2462F0660796}" type="datetimeFigureOut">
               <a:rPr lang="en-PH" smtClean="0"/>
-              <a:t>24/05/2024</a:t>
+              <a:t>28/05/2024</a:t>
             </a:fld>
             <a:endParaRPr lang="en-PH" dirty="0"/>
           </a:p>
@@ -635,7 +642,7 @@
           <a:p>
             <a:fld id="{3BA603A0-DA8D-4972-A16C-E942E2A70BDF}" type="datetimeFigureOut">
               <a:rPr lang="en-PH" smtClean="0"/>
-              <a:t>24/05/2024</a:t>
+              <a:t>28/05/2024</a:t>
             </a:fld>
             <a:endParaRPr lang="en-PH" dirty="0"/>
           </a:p>
@@ -835,7 +842,7 @@
           <a:p>
             <a:fld id="{3BA603A0-DA8D-4972-A16C-E942E2A70BDF}" type="datetimeFigureOut">
               <a:rPr lang="en-PH" smtClean="0"/>
-              <a:t>24/05/2024</a:t>
+              <a:t>28/05/2024</a:t>
             </a:fld>
             <a:endParaRPr lang="en-PH" dirty="0"/>
           </a:p>
@@ -1045,7 +1052,7 @@
           <a:p>
             <a:fld id="{3BA603A0-DA8D-4972-A16C-E942E2A70BDF}" type="datetimeFigureOut">
               <a:rPr lang="en-PH" smtClean="0"/>
-              <a:t>24/05/2024</a:t>
+              <a:t>28/05/2024</a:t>
             </a:fld>
             <a:endParaRPr lang="en-PH" dirty="0"/>
           </a:p>
@@ -1245,7 +1252,7 @@
           <a:p>
             <a:fld id="{3BA603A0-DA8D-4972-A16C-E942E2A70BDF}" type="datetimeFigureOut">
               <a:rPr lang="en-PH" smtClean="0"/>
-              <a:t>24/05/2024</a:t>
+              <a:t>28/05/2024</a:t>
             </a:fld>
             <a:endParaRPr lang="en-PH" dirty="0"/>
           </a:p>
@@ -1521,7 +1528,7 @@
           <a:p>
             <a:fld id="{3BA603A0-DA8D-4972-A16C-E942E2A70BDF}" type="datetimeFigureOut">
               <a:rPr lang="en-PH" smtClean="0"/>
-              <a:t>24/05/2024</a:t>
+              <a:t>28/05/2024</a:t>
             </a:fld>
             <a:endParaRPr lang="en-PH" dirty="0"/>
           </a:p>
@@ -1789,7 +1796,7 @@
           <a:p>
             <a:fld id="{3BA603A0-DA8D-4972-A16C-E942E2A70BDF}" type="datetimeFigureOut">
               <a:rPr lang="en-PH" smtClean="0"/>
-              <a:t>24/05/2024</a:t>
+              <a:t>28/05/2024</a:t>
             </a:fld>
             <a:endParaRPr lang="en-PH" dirty="0"/>
           </a:p>
@@ -2204,7 +2211,7 @@
           <a:p>
             <a:fld id="{3BA603A0-DA8D-4972-A16C-E942E2A70BDF}" type="datetimeFigureOut">
               <a:rPr lang="en-PH" smtClean="0"/>
-              <a:t>24/05/2024</a:t>
+              <a:t>28/05/2024</a:t>
             </a:fld>
             <a:endParaRPr lang="en-PH" dirty="0"/>
           </a:p>
@@ -2346,7 +2353,7 @@
           <a:p>
             <a:fld id="{3BA603A0-DA8D-4972-A16C-E942E2A70BDF}" type="datetimeFigureOut">
               <a:rPr lang="en-PH" smtClean="0"/>
-              <a:t>24/05/2024</a:t>
+              <a:t>28/05/2024</a:t>
             </a:fld>
             <a:endParaRPr lang="en-PH" dirty="0"/>
           </a:p>
@@ -2459,7 +2466,7 @@
           <a:p>
             <a:fld id="{3BA603A0-DA8D-4972-A16C-E942E2A70BDF}" type="datetimeFigureOut">
               <a:rPr lang="en-PH" smtClean="0"/>
-              <a:t>24/05/2024</a:t>
+              <a:t>28/05/2024</a:t>
             </a:fld>
             <a:endParaRPr lang="en-PH" dirty="0"/>
           </a:p>
@@ -2772,7 +2779,7 @@
           <a:p>
             <a:fld id="{3BA603A0-DA8D-4972-A16C-E942E2A70BDF}" type="datetimeFigureOut">
               <a:rPr lang="en-PH" smtClean="0"/>
-              <a:t>24/05/2024</a:t>
+              <a:t>28/05/2024</a:t>
             </a:fld>
             <a:endParaRPr lang="en-PH" dirty="0"/>
           </a:p>
@@ -3061,7 +3068,7 @@
           <a:p>
             <a:fld id="{3BA603A0-DA8D-4972-A16C-E942E2A70BDF}" type="datetimeFigureOut">
               <a:rPr lang="en-PH" smtClean="0"/>
-              <a:t>24/05/2024</a:t>
+              <a:t>28/05/2024</a:t>
             </a:fld>
             <a:endParaRPr lang="en-PH" dirty="0"/>
           </a:p>
@@ -3304,7 +3311,7 @@
           <a:p>
             <a:fld id="{3BA603A0-DA8D-4972-A16C-E942E2A70BDF}" type="datetimeFigureOut">
               <a:rPr lang="en-PH" smtClean="0"/>
-              <a:t>24/05/2024</a:t>
+              <a:t>28/05/2024</a:t>
             </a:fld>
             <a:endParaRPr lang="en-PH" dirty="0"/>
           </a:p>
@@ -3864,6 +3871,694 @@
               <a:rPr lang="en-US" dirty="0">
                 <a:latin typeface="Sequel Sans Semi Bold Disp" panose="020B0603050000020004" pitchFamily="34" charset="0"/>
               </a:rPr>
+              <a:t>Expenditure allocation</a:t>
+            </a:r>
+            <a:endParaRPr lang="en-PH" dirty="0">
+              <a:latin typeface="Sequel Sans Semi Bold Disp" panose="020B0603050000020004" pitchFamily="34" charset="0"/>
+            </a:endParaRPr>
+          </a:p>
+        </p:txBody>
+      </p:sp>
+      <p:pic>
+        <p:nvPicPr>
+          <p:cNvPr id="6" name="Picture 5">
+            <a:extLst>
+              <a:ext uri="{FF2B5EF4-FFF2-40B4-BE49-F238E27FC236}">
+                <a16:creationId xmlns:a16="http://schemas.microsoft.com/office/drawing/2014/main" id="{8458CA30-3CDD-A2FF-CC8F-BCF26F69A1D4}"/>
+              </a:ext>
+            </a:extLst>
+          </p:cNvPr>
+          <p:cNvPicPr>
+            <a:picLocks noChangeAspect="1"/>
+          </p:cNvPicPr>
+          <p:nvPr/>
+        </p:nvPicPr>
+        <p:blipFill>
+          <a:blip r:embed="rId2"/>
+          <a:stretch>
+            <a:fillRect/>
+          </a:stretch>
+        </p:blipFill>
+        <p:spPr>
+          <a:xfrm>
+            <a:off x="1197428" y="1690688"/>
+            <a:ext cx="9797143" cy="4205916"/>
+          </a:xfrm>
+          <a:prstGeom prst="rect">
+            <a:avLst/>
+          </a:prstGeom>
+        </p:spPr>
+      </p:pic>
+    </p:spTree>
+    <p:extLst>
+      <p:ext uri="{BB962C8B-B14F-4D97-AF65-F5344CB8AC3E}">
+        <p14:creationId xmlns:p14="http://schemas.microsoft.com/office/powerpoint/2010/main" val="3452561315"/>
+      </p:ext>
+    </p:extLst>
+  </p:cSld>
+  <p:clrMapOvr>
+    <a:masterClrMapping/>
+  </p:clrMapOvr>
+</p:sld>
+</file>
+
+<file path=ppt/slides/slide11.xml><?xml version="1.0" encoding="utf-8"?>
+<p:sld xmlns:a="http://schemas.openxmlformats.org/drawingml/2006/main" xmlns:r="http://schemas.openxmlformats.org/officeDocument/2006/relationships" xmlns:p="http://schemas.openxmlformats.org/presentationml/2006/main">
+  <p:cSld>
+    <p:spTree>
+      <p:nvGrpSpPr>
+        <p:cNvPr id="1" name=""/>
+        <p:cNvGrpSpPr/>
+        <p:nvPr/>
+      </p:nvGrpSpPr>
+      <p:grpSpPr>
+        <a:xfrm>
+          <a:off x="0" y="0"/>
+          <a:ext cx="0" cy="0"/>
+          <a:chOff x="0" y="0"/>
+          <a:chExt cx="0" cy="0"/>
+        </a:xfrm>
+      </p:grpSpPr>
+      <p:sp>
+        <p:nvSpPr>
+          <p:cNvPr id="2" name="Title 1">
+            <a:extLst>
+              <a:ext uri="{FF2B5EF4-FFF2-40B4-BE49-F238E27FC236}">
+                <a16:creationId xmlns:a16="http://schemas.microsoft.com/office/drawing/2014/main" id="{1BA09FD6-46F5-C31F-0C82-3386D9271BB1}"/>
+              </a:ext>
+            </a:extLst>
+          </p:cNvPr>
+          <p:cNvSpPr>
+            <a:spLocks noGrp="1"/>
+          </p:cNvSpPr>
+          <p:nvPr>
+            <p:ph type="title"/>
+          </p:nvPr>
+        </p:nvSpPr>
+        <p:spPr/>
+        <p:txBody>
+          <a:bodyPr/>
+          <a:lstStyle/>
+          <a:p>
+            <a:r>
+              <a:rPr lang="en-US" dirty="0">
+                <a:latin typeface="Sequel Sans Semi Bold Disp" panose="020B0603050000020004" pitchFamily="34" charset="0"/>
+              </a:rPr>
+              <a:t>Expenditure allocation</a:t>
+            </a:r>
+            <a:endParaRPr lang="en-PH" dirty="0">
+              <a:latin typeface="Sequel Sans Semi Bold Disp" panose="020B0603050000020004" pitchFamily="34" charset="0"/>
+            </a:endParaRPr>
+          </a:p>
+        </p:txBody>
+      </p:sp>
+      <p:pic>
+        <p:nvPicPr>
+          <p:cNvPr id="6" name="Picture 5">
+            <a:extLst>
+              <a:ext uri="{FF2B5EF4-FFF2-40B4-BE49-F238E27FC236}">
+                <a16:creationId xmlns:a16="http://schemas.microsoft.com/office/drawing/2014/main" id="{8458CA30-3CDD-A2FF-CC8F-BCF26F69A1D4}"/>
+              </a:ext>
+            </a:extLst>
+          </p:cNvPr>
+          <p:cNvPicPr>
+            <a:picLocks noChangeAspect="1"/>
+          </p:cNvPicPr>
+          <p:nvPr/>
+        </p:nvPicPr>
+        <p:blipFill>
+          <a:blip r:embed="rId2"/>
+          <a:stretch>
+            <a:fillRect/>
+          </a:stretch>
+        </p:blipFill>
+        <p:spPr>
+          <a:xfrm>
+            <a:off x="1197428" y="1690688"/>
+            <a:ext cx="9797143" cy="4205916"/>
+          </a:xfrm>
+          <a:prstGeom prst="rect">
+            <a:avLst/>
+          </a:prstGeom>
+        </p:spPr>
+      </p:pic>
+      <p:pic>
+        <p:nvPicPr>
+          <p:cNvPr id="4" name="Picture 3">
+            <a:extLst>
+              <a:ext uri="{FF2B5EF4-FFF2-40B4-BE49-F238E27FC236}">
+                <a16:creationId xmlns:a16="http://schemas.microsoft.com/office/drawing/2014/main" id="{0488AFA1-4E03-E413-2260-684DF5419DCE}"/>
+              </a:ext>
+            </a:extLst>
+          </p:cNvPr>
+          <p:cNvPicPr>
+            <a:picLocks noChangeAspect="1"/>
+          </p:cNvPicPr>
+          <p:nvPr/>
+        </p:nvPicPr>
+        <p:blipFill>
+          <a:blip r:embed="rId3"/>
+          <a:stretch>
+            <a:fillRect/>
+          </a:stretch>
+        </p:blipFill>
+        <p:spPr>
+          <a:xfrm>
+            <a:off x="1490018" y="2159880"/>
+            <a:ext cx="9211961" cy="3267531"/>
+          </a:xfrm>
+          <a:prstGeom prst="rect">
+            <a:avLst/>
+          </a:prstGeom>
+        </p:spPr>
+      </p:pic>
+    </p:spTree>
+    <p:extLst>
+      <p:ext uri="{BB962C8B-B14F-4D97-AF65-F5344CB8AC3E}">
+        <p14:creationId xmlns:p14="http://schemas.microsoft.com/office/powerpoint/2010/main" val="3245140438"/>
+      </p:ext>
+    </p:extLst>
+  </p:cSld>
+  <p:clrMapOvr>
+    <a:masterClrMapping/>
+  </p:clrMapOvr>
+</p:sld>
+</file>
+
+<file path=ppt/slides/slide12.xml><?xml version="1.0" encoding="utf-8"?>
+<p:sld xmlns:a="http://schemas.openxmlformats.org/drawingml/2006/main" xmlns:r="http://schemas.openxmlformats.org/officeDocument/2006/relationships" xmlns:p="http://schemas.openxmlformats.org/presentationml/2006/main">
+  <p:cSld>
+    <p:spTree>
+      <p:nvGrpSpPr>
+        <p:cNvPr id="1" name=""/>
+        <p:cNvGrpSpPr/>
+        <p:nvPr/>
+      </p:nvGrpSpPr>
+      <p:grpSpPr>
+        <a:xfrm>
+          <a:off x="0" y="0"/>
+          <a:ext cx="0" cy="0"/>
+          <a:chOff x="0" y="0"/>
+          <a:chExt cx="0" cy="0"/>
+        </a:xfrm>
+      </p:grpSpPr>
+      <p:sp>
+        <p:nvSpPr>
+          <p:cNvPr id="2" name="Title 1">
+            <a:extLst>
+              <a:ext uri="{FF2B5EF4-FFF2-40B4-BE49-F238E27FC236}">
+                <a16:creationId xmlns:a16="http://schemas.microsoft.com/office/drawing/2014/main" id="{1BA09FD6-46F5-C31F-0C82-3386D9271BB1}"/>
+              </a:ext>
+            </a:extLst>
+          </p:cNvPr>
+          <p:cNvSpPr>
+            <a:spLocks noGrp="1"/>
+          </p:cNvSpPr>
+          <p:nvPr>
+            <p:ph type="title"/>
+          </p:nvPr>
+        </p:nvSpPr>
+        <p:spPr/>
+        <p:txBody>
+          <a:bodyPr/>
+          <a:lstStyle/>
+          <a:p>
+            <a:r>
+              <a:rPr lang="en-US" dirty="0">
+                <a:latin typeface="Sequel Sans Semi Bold Disp" panose="020B0603050000020004" pitchFamily="34" charset="0"/>
+              </a:rPr>
+              <a:t>Expenditure allocation</a:t>
+            </a:r>
+            <a:endParaRPr lang="en-PH" dirty="0">
+              <a:latin typeface="Sequel Sans Semi Bold Disp" panose="020B0603050000020004" pitchFamily="34" charset="0"/>
+            </a:endParaRPr>
+          </a:p>
+        </p:txBody>
+      </p:sp>
+      <p:pic>
+        <p:nvPicPr>
+          <p:cNvPr id="21" name="Picture 20">
+            <a:extLst>
+              <a:ext uri="{FF2B5EF4-FFF2-40B4-BE49-F238E27FC236}">
+                <a16:creationId xmlns:a16="http://schemas.microsoft.com/office/drawing/2014/main" id="{BF544BF0-4131-1C73-290F-3E2209BBC5DF}"/>
+              </a:ext>
+            </a:extLst>
+          </p:cNvPr>
+          <p:cNvPicPr>
+            <a:picLocks noChangeAspect="1"/>
+          </p:cNvPicPr>
+          <p:nvPr/>
+        </p:nvPicPr>
+        <p:blipFill rotWithShape="1">
+          <a:blip r:embed="rId2"/>
+          <a:srcRect l="7761" t="20620" r="17151" b="23721"/>
+          <a:stretch/>
+        </p:blipFill>
+        <p:spPr>
+          <a:xfrm>
+            <a:off x="996059" y="1882074"/>
+            <a:ext cx="10199882" cy="4252912"/>
+          </a:xfrm>
+          <a:prstGeom prst="rect">
+            <a:avLst/>
+          </a:prstGeom>
+        </p:spPr>
+      </p:pic>
+      <p:sp>
+        <p:nvSpPr>
+          <p:cNvPr id="3" name="TextBox 2">
+            <a:extLst>
+              <a:ext uri="{FF2B5EF4-FFF2-40B4-BE49-F238E27FC236}">
+                <a16:creationId xmlns:a16="http://schemas.microsoft.com/office/drawing/2014/main" id="{483FF35A-7B55-73DF-BD69-9A07734E2770}"/>
+              </a:ext>
+            </a:extLst>
+          </p:cNvPr>
+          <p:cNvSpPr txBox="1"/>
+          <p:nvPr/>
+        </p:nvSpPr>
+        <p:spPr>
+          <a:xfrm>
+            <a:off x="996059" y="1506022"/>
+            <a:ext cx="10199882" cy="376052"/>
+          </a:xfrm>
+          <a:prstGeom prst="rect">
+            <a:avLst/>
+          </a:prstGeom>
+          <a:noFill/>
+        </p:spPr>
+        <p:txBody>
+          <a:bodyPr wrap="square" rtlCol="0">
+            <a:spAutoFit/>
+          </a:bodyPr>
+          <a:lstStyle/>
+          <a:p>
+            <a:r>
+              <a:rPr lang="en-US" dirty="0">
+                <a:latin typeface="Sequel Sans Light Head" panose="020B0403050000020004" pitchFamily="34" charset="0"/>
+              </a:rPr>
+              <a:t>What percentage of the total expenditure is allocated for each expenditure item? </a:t>
+            </a:r>
+            <a:endParaRPr lang="en-PH" dirty="0">
+              <a:latin typeface="Sequel Sans Light Head" panose="020B0403050000020004" pitchFamily="34" charset="0"/>
+            </a:endParaRPr>
+          </a:p>
+        </p:txBody>
+      </p:sp>
+    </p:spTree>
+    <p:extLst>
+      <p:ext uri="{BB962C8B-B14F-4D97-AF65-F5344CB8AC3E}">
+        <p14:creationId xmlns:p14="http://schemas.microsoft.com/office/powerpoint/2010/main" val="1632298789"/>
+      </p:ext>
+    </p:extLst>
+  </p:cSld>
+  <p:clrMapOvr>
+    <a:masterClrMapping/>
+  </p:clrMapOvr>
+</p:sld>
+</file>
+
+<file path=ppt/slides/slide13.xml><?xml version="1.0" encoding="utf-8"?>
+<p:sld xmlns:a="http://schemas.openxmlformats.org/drawingml/2006/main" xmlns:r="http://schemas.openxmlformats.org/officeDocument/2006/relationships" xmlns:p="http://schemas.openxmlformats.org/presentationml/2006/main">
+  <p:cSld>
+    <p:spTree>
+      <p:nvGrpSpPr>
+        <p:cNvPr id="1" name=""/>
+        <p:cNvGrpSpPr/>
+        <p:nvPr/>
+      </p:nvGrpSpPr>
+      <p:grpSpPr>
+        <a:xfrm>
+          <a:off x="0" y="0"/>
+          <a:ext cx="0" cy="0"/>
+          <a:chOff x="0" y="0"/>
+          <a:chExt cx="0" cy="0"/>
+        </a:xfrm>
+      </p:grpSpPr>
+      <p:pic>
+        <p:nvPicPr>
+          <p:cNvPr id="10" name="Picture 9" descr="A screenshot of a video game&#10;&#10;Description automatically generated">
+            <a:extLst>
+              <a:ext uri="{FF2B5EF4-FFF2-40B4-BE49-F238E27FC236}">
+                <a16:creationId xmlns:a16="http://schemas.microsoft.com/office/drawing/2014/main" id="{D31B07E2-095C-0BD1-B71E-5FD88B287C30}"/>
+              </a:ext>
+            </a:extLst>
+          </p:cNvPr>
+          <p:cNvPicPr>
+            <a:picLocks noChangeAspect="1"/>
+          </p:cNvPicPr>
+          <p:nvPr/>
+        </p:nvPicPr>
+        <p:blipFill>
+          <a:blip r:embed="rId2">
+            <a:extLst>
+              <a:ext uri="{28A0092B-C50C-407E-A947-70E740481C1C}">
+                <a14:useLocalDpi xmlns:a14="http://schemas.microsoft.com/office/drawing/2010/main" val="0"/>
+              </a:ext>
+            </a:extLst>
+          </a:blip>
+          <a:stretch>
+            <a:fillRect/>
+          </a:stretch>
+        </p:blipFill>
+        <p:spPr>
+          <a:xfrm>
+            <a:off x="657913" y="614578"/>
+            <a:ext cx="10876173" cy="5874029"/>
+          </a:xfrm>
+          <a:prstGeom prst="rect">
+            <a:avLst/>
+          </a:prstGeom>
+        </p:spPr>
+      </p:pic>
+      <p:sp>
+        <p:nvSpPr>
+          <p:cNvPr id="11" name="TextBox 10">
+            <a:extLst>
+              <a:ext uri="{FF2B5EF4-FFF2-40B4-BE49-F238E27FC236}">
+                <a16:creationId xmlns:a16="http://schemas.microsoft.com/office/drawing/2014/main" id="{5CA445A2-782E-9BF1-7F55-5B511288A7EE}"/>
+              </a:ext>
+            </a:extLst>
+          </p:cNvPr>
+          <p:cNvSpPr txBox="1"/>
+          <p:nvPr/>
+        </p:nvSpPr>
+        <p:spPr>
+          <a:xfrm>
+            <a:off x="2259926" y="238526"/>
+            <a:ext cx="8085099" cy="376052"/>
+          </a:xfrm>
+          <a:prstGeom prst="rect">
+            <a:avLst/>
+          </a:prstGeom>
+          <a:noFill/>
+        </p:spPr>
+        <p:txBody>
+          <a:bodyPr wrap="square" rtlCol="0">
+            <a:spAutoFit/>
+          </a:bodyPr>
+          <a:lstStyle/>
+          <a:p>
+            <a:r>
+              <a:rPr lang="en-US" dirty="0">
+                <a:latin typeface="Sequel Sans Light Head" panose="020B0403050000020004" pitchFamily="34" charset="0"/>
+              </a:rPr>
+              <a:t>What percentage of the total expenditure is allocated for each expenditure item? </a:t>
+            </a:r>
+            <a:endParaRPr lang="en-PH" dirty="0">
+              <a:latin typeface="Sequel Sans Light Head" panose="020B0403050000020004" pitchFamily="34" charset="0"/>
+            </a:endParaRPr>
+          </a:p>
+        </p:txBody>
+      </p:sp>
+    </p:spTree>
+    <p:extLst>
+      <p:ext uri="{BB962C8B-B14F-4D97-AF65-F5344CB8AC3E}">
+        <p14:creationId xmlns:p14="http://schemas.microsoft.com/office/powerpoint/2010/main" val="2285176387"/>
+      </p:ext>
+    </p:extLst>
+  </p:cSld>
+  <p:clrMapOvr>
+    <a:masterClrMapping/>
+  </p:clrMapOvr>
+</p:sld>
+</file>
+
+<file path=ppt/slides/slide14.xml><?xml version="1.0" encoding="utf-8"?>
+<p:sld xmlns:a="http://schemas.openxmlformats.org/drawingml/2006/main" xmlns:r="http://schemas.openxmlformats.org/officeDocument/2006/relationships" xmlns:p="http://schemas.openxmlformats.org/presentationml/2006/main">
+  <p:cSld>
+    <p:spTree>
+      <p:nvGrpSpPr>
+        <p:cNvPr id="1" name=""/>
+        <p:cNvGrpSpPr/>
+        <p:nvPr/>
+      </p:nvGrpSpPr>
+      <p:grpSpPr>
+        <a:xfrm>
+          <a:off x="0" y="0"/>
+          <a:ext cx="0" cy="0"/>
+          <a:chOff x="0" y="0"/>
+          <a:chExt cx="0" cy="0"/>
+        </a:xfrm>
+      </p:grpSpPr>
+      <p:sp>
+        <p:nvSpPr>
+          <p:cNvPr id="2" name="Title 1">
+            <a:extLst>
+              <a:ext uri="{FF2B5EF4-FFF2-40B4-BE49-F238E27FC236}">
+                <a16:creationId xmlns:a16="http://schemas.microsoft.com/office/drawing/2014/main" id="{1BA09FD6-46F5-C31F-0C82-3386D9271BB1}"/>
+              </a:ext>
+            </a:extLst>
+          </p:cNvPr>
+          <p:cNvSpPr>
+            <a:spLocks noGrp="1"/>
+          </p:cNvSpPr>
+          <p:nvPr>
+            <p:ph type="title"/>
+          </p:nvPr>
+        </p:nvSpPr>
+        <p:spPr/>
+        <p:txBody>
+          <a:bodyPr/>
+          <a:lstStyle/>
+          <a:p>
+            <a:r>
+              <a:rPr lang="en-US" dirty="0">
+                <a:latin typeface="Sequel Sans Semi Bold Disp" panose="020B0603050000020004" pitchFamily="34" charset="0"/>
+              </a:rPr>
+              <a:t>Prediction Model</a:t>
+            </a:r>
+            <a:endParaRPr lang="en-PH" dirty="0">
+              <a:latin typeface="Sequel Sans Semi Bold Disp" panose="020B0603050000020004" pitchFamily="34" charset="0"/>
+            </a:endParaRPr>
+          </a:p>
+        </p:txBody>
+      </p:sp>
+      <p:pic>
+        <p:nvPicPr>
+          <p:cNvPr id="8" name="Picture 7">
+            <a:extLst>
+              <a:ext uri="{FF2B5EF4-FFF2-40B4-BE49-F238E27FC236}">
+                <a16:creationId xmlns:a16="http://schemas.microsoft.com/office/drawing/2014/main" id="{6975AD39-0B4C-0903-0F78-5A7F178EC17C}"/>
+              </a:ext>
+            </a:extLst>
+          </p:cNvPr>
+          <p:cNvPicPr>
+            <a:picLocks noChangeAspect="1"/>
+          </p:cNvPicPr>
+          <p:nvPr/>
+        </p:nvPicPr>
+        <p:blipFill>
+          <a:blip r:embed="rId2"/>
+          <a:stretch>
+            <a:fillRect/>
+          </a:stretch>
+        </p:blipFill>
+        <p:spPr>
+          <a:xfrm>
+            <a:off x="838200" y="1600667"/>
+            <a:ext cx="6487634" cy="3656666"/>
+          </a:xfrm>
+          <a:prstGeom prst="rect">
+            <a:avLst/>
+          </a:prstGeom>
+        </p:spPr>
+      </p:pic>
+      <p:pic>
+        <p:nvPicPr>
+          <p:cNvPr id="10" name="Picture 9">
+            <a:extLst>
+              <a:ext uri="{FF2B5EF4-FFF2-40B4-BE49-F238E27FC236}">
+                <a16:creationId xmlns:a16="http://schemas.microsoft.com/office/drawing/2014/main" id="{9D81F82E-4ECF-8133-CDD6-A57B0EA57A99}"/>
+              </a:ext>
+            </a:extLst>
+          </p:cNvPr>
+          <p:cNvPicPr>
+            <a:picLocks noChangeAspect="1"/>
+          </p:cNvPicPr>
+          <p:nvPr/>
+        </p:nvPicPr>
+        <p:blipFill>
+          <a:blip r:embed="rId3"/>
+          <a:stretch>
+            <a:fillRect/>
+          </a:stretch>
+        </p:blipFill>
+        <p:spPr>
+          <a:xfrm>
+            <a:off x="838200" y="5351493"/>
+            <a:ext cx="6744527" cy="1141382"/>
+          </a:xfrm>
+          <a:prstGeom prst="rect">
+            <a:avLst/>
+          </a:prstGeom>
+        </p:spPr>
+      </p:pic>
+      <mc:AlternateContent xmlns:mc="http://schemas.openxmlformats.org/markup-compatibility/2006" xmlns:a14="http://schemas.microsoft.com/office/drawing/2010/main">
+        <mc:Choice Requires="a14">
+          <p:sp>
+            <p:nvSpPr>
+              <p:cNvPr id="11" name="TextBox 10">
+                <a:extLst>
+                  <a:ext uri="{FF2B5EF4-FFF2-40B4-BE49-F238E27FC236}">
+                    <a16:creationId xmlns:a16="http://schemas.microsoft.com/office/drawing/2014/main" id="{48D3C60A-58B8-42D4-B6CF-7809C7C4B3DC}"/>
+                  </a:ext>
+                </a:extLst>
+              </p:cNvPr>
+              <p:cNvSpPr txBox="1"/>
+              <p:nvPr/>
+            </p:nvSpPr>
+            <p:spPr>
+              <a:xfrm>
+                <a:off x="7582727" y="1690688"/>
+                <a:ext cx="2964771" cy="1569660"/>
+              </a:xfrm>
+              <a:prstGeom prst="rect">
+                <a:avLst/>
+              </a:prstGeom>
+              <a:noFill/>
+            </p:spPr>
+            <p:txBody>
+              <a:bodyPr wrap="square" rtlCol="0">
+                <a:spAutoFit/>
+              </a:bodyPr>
+              <a:lstStyle/>
+              <a:p>
+                <a:pPr marL="285750" indent="-285750">
+                  <a:buFont typeface="Arial" panose="020B0604020202020204" pitchFamily="34" charset="0"/>
+                  <a:buChar char="•"/>
+                </a:pPr>
+                <a14:m>
+                  <m:oMath xmlns:m="http://schemas.openxmlformats.org/officeDocument/2006/math">
+                    <m:r>
+                      <a:rPr lang="en-US" sz="2400" b="0" i="1" smtClean="0">
+                        <a:latin typeface="Cambria Math" panose="02040503050406030204" pitchFamily="18" charset="0"/>
+                      </a:rPr>
+                      <m:t>80−20</m:t>
+                    </m:r>
+                  </m:oMath>
+                </a14:m>
+                <a:r>
+                  <a:rPr lang="en-PH" sz="2400" dirty="0">
+                    <a:latin typeface="Sequel Sans Light Head" panose="020B0403050000020004" pitchFamily="34" charset="0"/>
+                  </a:rPr>
+                  <a:t> train-test division</a:t>
+                </a:r>
+              </a:p>
+              <a:p>
+                <a:pPr marL="285750" indent="-285750">
+                  <a:buFont typeface="Arial" panose="020B0604020202020204" pitchFamily="34" charset="0"/>
+                  <a:buChar char="•"/>
+                </a:pPr>
+                <a:r>
+                  <a:rPr lang="en-PH" sz="2400" dirty="0">
+                    <a:latin typeface="Sequel Sans Light Head" panose="020B0403050000020004" pitchFamily="34" charset="0"/>
+                  </a:rPr>
+                  <a:t>We use a random forest classifier</a:t>
+                </a:r>
+              </a:p>
+            </p:txBody>
+          </p:sp>
+        </mc:Choice>
+        <mc:Fallback xmlns="">
+          <p:sp>
+            <p:nvSpPr>
+              <p:cNvPr id="11" name="TextBox 10">
+                <a:extLst>
+                  <a:ext uri="{FF2B5EF4-FFF2-40B4-BE49-F238E27FC236}">
+                    <a16:creationId xmlns:a16="http://schemas.microsoft.com/office/drawing/2014/main" id="{48D3C60A-58B8-42D4-B6CF-7809C7C4B3DC}"/>
+                  </a:ext>
+                </a:extLst>
+              </p:cNvPr>
+              <p:cNvSpPr txBox="1">
+                <a:spLocks noRot="1" noChangeAspect="1" noMove="1" noResize="1" noEditPoints="1" noAdjustHandles="1" noChangeArrowheads="1" noChangeShapeType="1" noTextEdit="1"/>
+              </p:cNvSpPr>
+              <p:nvPr/>
+            </p:nvSpPr>
+            <p:spPr>
+              <a:xfrm>
+                <a:off x="7582727" y="1690688"/>
+                <a:ext cx="2964771" cy="1569660"/>
+              </a:xfrm>
+              <a:prstGeom prst="rect">
+                <a:avLst/>
+              </a:prstGeom>
+              <a:blipFill>
+                <a:blip r:embed="rId4"/>
+                <a:stretch>
+                  <a:fillRect l="-2881" t="-3488" b="-7752"/>
+                </a:stretch>
+              </a:blipFill>
+            </p:spPr>
+            <p:txBody>
+              <a:bodyPr/>
+              <a:lstStyle/>
+              <a:p>
+                <a:r>
+                  <a:rPr lang="en-PH">
+                    <a:noFill/>
+                  </a:rPr>
+                  <a:t> </a:t>
+                </a:r>
+              </a:p>
+            </p:txBody>
+          </p:sp>
+        </mc:Fallback>
+      </mc:AlternateContent>
+    </p:spTree>
+    <p:extLst>
+      <p:ext uri="{BB962C8B-B14F-4D97-AF65-F5344CB8AC3E}">
+        <p14:creationId xmlns:p14="http://schemas.microsoft.com/office/powerpoint/2010/main" val="515429980"/>
+      </p:ext>
+    </p:extLst>
+  </p:cSld>
+  <p:clrMapOvr>
+    <a:masterClrMapping/>
+  </p:clrMapOvr>
+</p:sld>
+</file>
+
+<file path=ppt/slides/slide15.xml><?xml version="1.0" encoding="utf-8"?>
+<p:sld xmlns:a="http://schemas.openxmlformats.org/drawingml/2006/main" xmlns:r="http://schemas.openxmlformats.org/officeDocument/2006/relationships" xmlns:p="http://schemas.openxmlformats.org/presentationml/2006/main">
+  <p:cSld>
+    <p:spTree>
+      <p:nvGrpSpPr>
+        <p:cNvPr id="1" name=""/>
+        <p:cNvGrpSpPr/>
+        <p:nvPr/>
+      </p:nvGrpSpPr>
+      <p:grpSpPr>
+        <a:xfrm>
+          <a:off x="0" y="0"/>
+          <a:ext cx="0" cy="0"/>
+          <a:chOff x="0" y="0"/>
+          <a:chExt cx="0" cy="0"/>
+        </a:xfrm>
+      </p:grpSpPr>
+      <p:sp>
+        <p:nvSpPr>
+          <p:cNvPr id="2" name="Title 1">
+            <a:extLst>
+              <a:ext uri="{FF2B5EF4-FFF2-40B4-BE49-F238E27FC236}">
+                <a16:creationId xmlns:a16="http://schemas.microsoft.com/office/drawing/2014/main" id="{1BA09FD6-46F5-C31F-0C82-3386D9271BB1}"/>
+              </a:ext>
+            </a:extLst>
+          </p:cNvPr>
+          <p:cNvSpPr>
+            <a:spLocks noGrp="1"/>
+          </p:cNvSpPr>
+          <p:nvPr>
+            <p:ph type="title"/>
+          </p:nvPr>
+        </p:nvSpPr>
+        <p:spPr/>
+        <p:txBody>
+          <a:bodyPr/>
+          <a:lstStyle/>
+          <a:p>
+            <a:r>
+              <a:rPr lang="en-US" dirty="0">
+                <a:latin typeface="Sequel Sans Semi Bold Disp" panose="020B0603050000020004" pitchFamily="34" charset="0"/>
+              </a:rPr>
               <a:t>Prediction Model</a:t>
             </a:r>
             <a:endParaRPr lang="en-PH" dirty="0">
@@ -3914,7 +4609,7 @@
 </p:sld>
 </file>
 
-<file path=ppt/slides/slide11.xml><?xml version="1.0" encoding="utf-8"?>
+<file path=ppt/slides/slide16.xml><?xml version="1.0" encoding="utf-8"?>
 <p:sld xmlns:a="http://schemas.openxmlformats.org/drawingml/2006/main" xmlns:r="http://schemas.openxmlformats.org/officeDocument/2006/relationships" xmlns:p="http://schemas.openxmlformats.org/presentationml/2006/main">
   <p:cSld>
     <p:spTree>
@@ -4061,7 +4756,7 @@
 </p:sld>
 </file>
 
-<file path=ppt/slides/slide12.xml><?xml version="1.0" encoding="utf-8"?>
+<file path=ppt/slides/slide17.xml><?xml version="1.0" encoding="utf-8"?>
 <p:sld xmlns:a="http://schemas.openxmlformats.org/drawingml/2006/main" xmlns:r="http://schemas.openxmlformats.org/officeDocument/2006/relationships" xmlns:p="http://schemas.openxmlformats.org/presentationml/2006/main">
   <p:cSld>
     <p:spTree>
@@ -4208,7 +4903,7 @@
 </p:sld>
 </file>
 
-<file path=ppt/slides/slide13.xml><?xml version="1.0" encoding="utf-8"?>
+<file path=ppt/slides/slide18.xml><?xml version="1.0" encoding="utf-8"?>
 <p:sld xmlns:a="http://schemas.openxmlformats.org/drawingml/2006/main" xmlns:r="http://schemas.openxmlformats.org/officeDocument/2006/relationships" xmlns:p="http://schemas.openxmlformats.org/presentationml/2006/main">
   <p:cSld>
     <p:spTree>
@@ -4291,7 +4986,25 @@
               <a:rPr lang="en-US" sz="2400" dirty="0">
                 <a:latin typeface="Sequel Sans Light Head" panose="020B0403050000020004" pitchFamily="34" charset="0"/>
               </a:rPr>
-              <a:t>The spending behavior of higher income classes are less unpredictable.</a:t>
+              <a:t>How does income inequality affect the spending behavior of different income classes?</a:t>
+            </a:r>
+          </a:p>
+          <a:p>
+            <a:pPr lvl="1" algn="just"/>
+            <a:r>
+              <a:rPr lang="en-US" sz="2000" dirty="0">
+                <a:latin typeface="Sequel Sans Light Head" panose="020B0403050000020004" pitchFamily="34" charset="0"/>
+              </a:rPr>
+              <a:t>Lower income classes have more constrained budget, forcing them to prioritize one expenditure more than the other.</a:t>
+            </a:r>
+          </a:p>
+          <a:p>
+            <a:pPr lvl="1" algn="just"/>
+            <a:r>
+              <a:rPr lang="en-US" sz="2000" dirty="0">
+                <a:latin typeface="Sequel Sans Light Head" panose="020B0403050000020004" pitchFamily="34" charset="0"/>
+              </a:rPr>
+              <a:t>Higher income classes have more freedom in budgeting.</a:t>
             </a:r>
           </a:p>
           <a:p>
@@ -4300,16 +5013,7 @@
               <a:rPr lang="en-US" sz="2400" dirty="0">
                 <a:latin typeface="Sequel Sans Light Head" panose="020B0403050000020004" pitchFamily="34" charset="0"/>
               </a:rPr>
-              <a:t>The budget allocation for lower income classes are consistent.</a:t>
-            </a:r>
-          </a:p>
-          <a:p>
-            <a:pPr algn="just"/>
-            <a:r>
-              <a:rPr lang="en-US" sz="2400" dirty="0">
-                <a:latin typeface="Sequel Sans Light Head" panose="020B0403050000020004" pitchFamily="34" charset="0"/>
-              </a:rPr>
-              <a:t>This may imply that the items with higher expenditure proportions must be the key areas to focus on if we want to address the effects of income inequality.</a:t>
+              <a:t>This implies that expenditure proportions are sufficient determinants on the key areas to focus on in addressing the effects of income inequality on lower income classes.</a:t>
             </a:r>
           </a:p>
         </p:txBody>
@@ -4356,7 +5060,7 @@
 </p:sld>
 </file>
 
-<file path=ppt/slides/slide14.xml><?xml version="1.0" encoding="utf-8"?>
+<file path=ppt/slides/slide19.xml><?xml version="1.0" encoding="utf-8"?>
 <p:sld xmlns:a="http://schemas.openxmlformats.org/drawingml/2006/main" xmlns:r="http://schemas.openxmlformats.org/officeDocument/2006/relationships" xmlns:p="http://schemas.openxmlformats.org/presentationml/2006/main">
   <p:cSld>
     <p:spTree>
@@ -4475,8 +5179,8 @@
           </a:p>
         </p:txBody>
       </p:sp>
-      <mc:AlternateContent xmlns:mc="http://schemas.openxmlformats.org/markup-compatibility/2006">
-        <mc:Choice xmlns:a14="http://schemas.microsoft.com/office/drawing/2010/main" Requires="a14">
+      <mc:AlternateContent xmlns:mc="http://schemas.openxmlformats.org/markup-compatibility/2006" xmlns:a14="http://schemas.microsoft.com/office/drawing/2010/main">
+        <mc:Choice Requires="a14">
           <p:sp>
             <p:nvSpPr>
               <p:cNvPr id="3" name="Content Placeholder 2">
@@ -4550,7 +5254,7 @@
             </p:txBody>
           </p:sp>
         </mc:Choice>
-        <mc:Fallback>
+        <mc:Fallback xmlns="">
           <p:sp>
             <p:nvSpPr>
               <p:cNvPr id="3" name="Content Placeholder 2">
@@ -4637,6 +5341,287 @@
 </p:sld>
 </file>
 
+<file path=ppt/slides/slide20.xml><?xml version="1.0" encoding="utf-8"?>
+<p:sld xmlns:a="http://schemas.openxmlformats.org/drawingml/2006/main" xmlns:r="http://schemas.openxmlformats.org/officeDocument/2006/relationships" xmlns:p="http://schemas.openxmlformats.org/presentationml/2006/main">
+  <p:cSld>
+    <p:spTree>
+      <p:nvGrpSpPr>
+        <p:cNvPr id="1" name=""/>
+        <p:cNvGrpSpPr/>
+        <p:nvPr/>
+      </p:nvGrpSpPr>
+      <p:grpSpPr>
+        <a:xfrm>
+          <a:off x="0" y="0"/>
+          <a:ext cx="0" cy="0"/>
+          <a:chOff x="0" y="0"/>
+          <a:chExt cx="0" cy="0"/>
+        </a:xfrm>
+      </p:grpSpPr>
+      <p:sp>
+        <p:nvSpPr>
+          <p:cNvPr id="2" name="Title 1">
+            <a:extLst>
+              <a:ext uri="{FF2B5EF4-FFF2-40B4-BE49-F238E27FC236}">
+                <a16:creationId xmlns:a16="http://schemas.microsoft.com/office/drawing/2014/main" id="{1BA09FD6-46F5-C31F-0C82-3386D9271BB1}"/>
+              </a:ext>
+            </a:extLst>
+          </p:cNvPr>
+          <p:cNvSpPr>
+            <a:spLocks noGrp="1"/>
+          </p:cNvSpPr>
+          <p:nvPr>
+            <p:ph type="title"/>
+          </p:nvPr>
+        </p:nvSpPr>
+        <p:spPr/>
+        <p:txBody>
+          <a:bodyPr/>
+          <a:lstStyle/>
+          <a:p>
+            <a:r>
+              <a:rPr lang="en-US" dirty="0">
+                <a:latin typeface="Sequel Sans Semi Bold Disp" panose="020B0603050000020004" pitchFamily="34" charset="0"/>
+              </a:rPr>
+              <a:t>Region?</a:t>
+            </a:r>
+            <a:endParaRPr lang="en-PH" dirty="0">
+              <a:latin typeface="Sequel Sans Semi Bold Disp" panose="020B0603050000020004" pitchFamily="34" charset="0"/>
+            </a:endParaRPr>
+          </a:p>
+        </p:txBody>
+      </p:sp>
+      <p:sp>
+        <p:nvSpPr>
+          <p:cNvPr id="8" name="Content Placeholder 2">
+            <a:extLst>
+              <a:ext uri="{FF2B5EF4-FFF2-40B4-BE49-F238E27FC236}">
+                <a16:creationId xmlns:a16="http://schemas.microsoft.com/office/drawing/2014/main" id="{048A5709-DA4A-475F-C3B4-5E76A7EC36E1}"/>
+              </a:ext>
+            </a:extLst>
+          </p:cNvPr>
+          <p:cNvSpPr>
+            <a:spLocks noGrp="1"/>
+          </p:cNvSpPr>
+          <p:nvPr>
+            <p:ph idx="1"/>
+          </p:nvPr>
+        </p:nvSpPr>
+        <p:spPr>
+          <a:xfrm>
+            <a:off x="838200" y="3388722"/>
+            <a:ext cx="4382386" cy="768719"/>
+          </a:xfrm>
+        </p:spPr>
+        <p:txBody>
+          <a:bodyPr>
+            <a:normAutofit/>
+          </a:bodyPr>
+          <a:lstStyle/>
+          <a:p>
+            <a:pPr marL="0" indent="0" algn="just">
+              <a:buNone/>
+            </a:pPr>
+            <a:r>
+              <a:rPr lang="en-US" sz="2400" dirty="0">
+                <a:latin typeface="Sequel Sans Light Head" panose="020B0403050000020004" pitchFamily="34" charset="0"/>
+              </a:rPr>
+              <a:t>Accuracy: 73.93%</a:t>
+            </a:r>
+          </a:p>
+          <a:p>
+            <a:pPr marL="0" indent="0" algn="just">
+              <a:buNone/>
+            </a:pPr>
+            <a:endParaRPr lang="en-US" sz="2400" dirty="0">
+              <a:latin typeface="Sequel Sans Light Head" panose="020B0403050000020004" pitchFamily="34" charset="0"/>
+            </a:endParaRPr>
+          </a:p>
+        </p:txBody>
+      </p:sp>
+      <p:pic>
+        <p:nvPicPr>
+          <p:cNvPr id="7" name="Picture 6" descr="A screenshot of a computer&#10;&#10;Description automatically generated">
+            <a:extLst>
+              <a:ext uri="{FF2B5EF4-FFF2-40B4-BE49-F238E27FC236}">
+                <a16:creationId xmlns:a16="http://schemas.microsoft.com/office/drawing/2014/main" id="{CA1040C1-A122-0106-202C-E9512D4F37AC}"/>
+              </a:ext>
+            </a:extLst>
+          </p:cNvPr>
+          <p:cNvPicPr>
+            <a:picLocks noChangeAspect="1"/>
+          </p:cNvPicPr>
+          <p:nvPr/>
+        </p:nvPicPr>
+        <p:blipFill>
+          <a:blip r:embed="rId2">
+            <a:extLst>
+              <a:ext uri="{28A0092B-C50C-407E-A947-70E740481C1C}">
+                <a14:useLocalDpi xmlns:a14="http://schemas.microsoft.com/office/drawing/2010/main" val="0"/>
+              </a:ext>
+            </a:extLst>
+          </a:blip>
+          <a:stretch>
+            <a:fillRect/>
+          </a:stretch>
+        </p:blipFill>
+        <p:spPr>
+          <a:xfrm>
+            <a:off x="5470464" y="1690688"/>
+            <a:ext cx="5883336" cy="5005080"/>
+          </a:xfrm>
+          <a:prstGeom prst="rect">
+            <a:avLst/>
+          </a:prstGeom>
+        </p:spPr>
+      </p:pic>
+    </p:spTree>
+    <p:extLst>
+      <p:ext uri="{BB962C8B-B14F-4D97-AF65-F5344CB8AC3E}">
+        <p14:creationId xmlns:p14="http://schemas.microsoft.com/office/powerpoint/2010/main" val="3781399578"/>
+      </p:ext>
+    </p:extLst>
+  </p:cSld>
+  <p:clrMapOvr>
+    <a:masterClrMapping/>
+  </p:clrMapOvr>
+</p:sld>
+</file>
+
+<file path=ppt/slides/slide21.xml><?xml version="1.0" encoding="utf-8"?>
+<p:sld xmlns:a="http://schemas.openxmlformats.org/drawingml/2006/main" xmlns:r="http://schemas.openxmlformats.org/officeDocument/2006/relationships" xmlns:p="http://schemas.openxmlformats.org/presentationml/2006/main">
+  <p:cSld>
+    <p:spTree>
+      <p:nvGrpSpPr>
+        <p:cNvPr id="1" name=""/>
+        <p:cNvGrpSpPr/>
+        <p:nvPr/>
+      </p:nvGrpSpPr>
+      <p:grpSpPr>
+        <a:xfrm>
+          <a:off x="0" y="0"/>
+          <a:ext cx="0" cy="0"/>
+          <a:chOff x="0" y="0"/>
+          <a:chExt cx="0" cy="0"/>
+        </a:xfrm>
+      </p:grpSpPr>
+      <p:sp>
+        <p:nvSpPr>
+          <p:cNvPr id="2" name="Title 1">
+            <a:extLst>
+              <a:ext uri="{FF2B5EF4-FFF2-40B4-BE49-F238E27FC236}">
+                <a16:creationId xmlns:a16="http://schemas.microsoft.com/office/drawing/2014/main" id="{1BA09FD6-46F5-C31F-0C82-3386D9271BB1}"/>
+              </a:ext>
+            </a:extLst>
+          </p:cNvPr>
+          <p:cNvSpPr>
+            <a:spLocks noGrp="1"/>
+          </p:cNvSpPr>
+          <p:nvPr>
+            <p:ph type="title"/>
+          </p:nvPr>
+        </p:nvSpPr>
+        <p:spPr/>
+        <p:txBody>
+          <a:bodyPr/>
+          <a:lstStyle/>
+          <a:p>
+            <a:r>
+              <a:rPr lang="en-US" dirty="0">
+                <a:latin typeface="Sequel Sans Semi Bold Disp" panose="020B0603050000020004" pitchFamily="34" charset="0"/>
+              </a:rPr>
+              <a:t>Different Training Data Size</a:t>
+            </a:r>
+            <a:endParaRPr lang="en-PH" dirty="0">
+              <a:latin typeface="Sequel Sans Semi Bold Disp" panose="020B0603050000020004" pitchFamily="34" charset="0"/>
+            </a:endParaRPr>
+          </a:p>
+        </p:txBody>
+      </p:sp>
+      <p:pic>
+        <p:nvPicPr>
+          <p:cNvPr id="12" name="Content Placeholder 11" descr="A line graph with dots&#10;&#10;Description automatically generated">
+            <a:extLst>
+              <a:ext uri="{FF2B5EF4-FFF2-40B4-BE49-F238E27FC236}">
+                <a16:creationId xmlns:a16="http://schemas.microsoft.com/office/drawing/2014/main" id="{C297857C-DA28-2110-1BBD-86244C64CF2B}"/>
+              </a:ext>
+            </a:extLst>
+          </p:cNvPr>
+          <p:cNvPicPr>
+            <a:picLocks noGrp="1" noChangeAspect="1"/>
+          </p:cNvPicPr>
+          <p:nvPr>
+            <p:ph idx="1"/>
+          </p:nvPr>
+        </p:nvPicPr>
+        <p:blipFill>
+          <a:blip r:embed="rId2">
+            <a:extLst>
+              <a:ext uri="{28A0092B-C50C-407E-A947-70E740481C1C}">
+                <a14:useLocalDpi xmlns:a14="http://schemas.microsoft.com/office/drawing/2010/main" val="0"/>
+              </a:ext>
+            </a:extLst>
+          </a:blip>
+          <a:stretch>
+            <a:fillRect/>
+          </a:stretch>
+        </p:blipFill>
+        <p:spPr>
+          <a:xfrm>
+            <a:off x="731963" y="1406908"/>
+            <a:ext cx="5157540" cy="3438360"/>
+          </a:xfrm>
+        </p:spPr>
+      </p:pic>
+      <p:pic>
+        <p:nvPicPr>
+          <p:cNvPr id="18" name="Picture 17" descr="A graph with dots and lines&#10;&#10;Description automatically generated">
+            <a:extLst>
+              <a:ext uri="{FF2B5EF4-FFF2-40B4-BE49-F238E27FC236}">
+                <a16:creationId xmlns:a16="http://schemas.microsoft.com/office/drawing/2014/main" id="{0A4A9836-F5C3-C2A9-DEB8-5A3A59562D9A}"/>
+              </a:ext>
+            </a:extLst>
+          </p:cNvPr>
+          <p:cNvPicPr>
+            <a:picLocks noChangeAspect="1"/>
+          </p:cNvPicPr>
+          <p:nvPr/>
+        </p:nvPicPr>
+        <p:blipFill>
+          <a:blip r:embed="rId3">
+            <a:extLst>
+              <a:ext uri="{28A0092B-C50C-407E-A947-70E740481C1C}">
+                <a14:useLocalDpi xmlns:a14="http://schemas.microsoft.com/office/drawing/2010/main" val="0"/>
+              </a:ext>
+            </a:extLst>
+          </a:blip>
+          <a:stretch>
+            <a:fillRect/>
+          </a:stretch>
+        </p:blipFill>
+        <p:spPr>
+          <a:xfrm>
+            <a:off x="6481119" y="1763645"/>
+            <a:ext cx="4978918" cy="3330709"/>
+          </a:xfrm>
+          <a:prstGeom prst="rect">
+            <a:avLst/>
+          </a:prstGeom>
+        </p:spPr>
+      </p:pic>
+    </p:spTree>
+    <p:extLst>
+      <p:ext uri="{BB962C8B-B14F-4D97-AF65-F5344CB8AC3E}">
+        <p14:creationId xmlns:p14="http://schemas.microsoft.com/office/powerpoint/2010/main" val="2464144581"/>
+      </p:ext>
+    </p:extLst>
+  </p:cSld>
+  <p:clrMapOvr>
+    <a:masterClrMapping/>
+  </p:clrMapOvr>
+</p:sld>
+</file>
+
 <file path=ppt/slides/slide3.xml><?xml version="1.0" encoding="utf-8"?>
 <p:sld xmlns:a="http://schemas.openxmlformats.org/drawingml/2006/main" xmlns:r="http://schemas.openxmlformats.org/officeDocument/2006/relationships" xmlns:p="http://schemas.openxmlformats.org/presentationml/2006/main">
   <p:cSld>
@@ -4679,7 +5664,134 @@
               <a:rPr lang="en-US" dirty="0">
                 <a:latin typeface="Sequel Sans Semi Bold Disp" panose="020B0603050000020004" pitchFamily="34" charset="0"/>
               </a:rPr>
-              <a:t>Income inequality</a:t>
+              <a:t>About the data</a:t>
+            </a:r>
+            <a:endParaRPr lang="en-PH" dirty="0">
+              <a:latin typeface="Sequel Sans Semi Bold Disp" panose="020B0603050000020004" pitchFamily="34" charset="0"/>
+            </a:endParaRPr>
+          </a:p>
+        </p:txBody>
+      </p:sp>
+      <p:sp>
+        <p:nvSpPr>
+          <p:cNvPr id="3" name="Content Placeholder 2">
+            <a:extLst>
+              <a:ext uri="{FF2B5EF4-FFF2-40B4-BE49-F238E27FC236}">
+                <a16:creationId xmlns:a16="http://schemas.microsoft.com/office/drawing/2014/main" id="{3CC2E4E6-5CB3-4431-4AD8-40987D6FD123}"/>
+              </a:ext>
+            </a:extLst>
+          </p:cNvPr>
+          <p:cNvSpPr>
+            <a:spLocks noGrp="1"/>
+          </p:cNvSpPr>
+          <p:nvPr>
+            <p:ph idx="1"/>
+          </p:nvPr>
+        </p:nvSpPr>
+        <p:spPr>
+          <a:xfrm>
+            <a:off x="838200" y="1690689"/>
+            <a:ext cx="10515600" cy="4486274"/>
+          </a:xfrm>
+        </p:spPr>
+        <p:txBody>
+          <a:bodyPr>
+            <a:noAutofit/>
+          </a:bodyPr>
+          <a:lstStyle/>
+          <a:p>
+            <a:pPr marL="0" indent="0" algn="just">
+              <a:buNone/>
+            </a:pPr>
+            <a:r>
+              <a:rPr lang="en-US" sz="1800" dirty="0">
+                <a:latin typeface="Sequel Sans Light Head" panose="020B0403050000020004" pitchFamily="34" charset="0"/>
+              </a:rPr>
+              <a:t>'Total Household Income', 'Region', 'Total Food Expenditure', 'Main Source of Income', 'Agricultural Household indicator', 'Bread and Cereals Expenditure', 'Total Rice Expenditure', 'Meat Expenditure', 'Total Fish and  marine products Expenditure', 'Fruit Expenditure', 'Vegetables Expenditure', 'Restaurant and hotels Expenditure', 'Alcoholic Beverages Expenditure', 'Tobacco Expenditure', 'Clothing, Footwear and Other Wear Expenditure', 'Housing and water Expenditure', 'Imputed House Rental Value', 'Medical Care Expenditure', 'Transportation Expenditure', 'Communication Expenditure', 'Education Expenditure', 'Miscellaneous Goods and Services Expenditure', 'Special Occasions Expenditure', 'Crop Farming and Gardening expenses', 'Total Income from Entrepreneurial </a:t>
+            </a:r>
+            <a:r>
+              <a:rPr lang="en-US" sz="1800" dirty="0" err="1">
+                <a:latin typeface="Sequel Sans Light Head" panose="020B0403050000020004" pitchFamily="34" charset="0"/>
+              </a:rPr>
+              <a:t>Acitivites</a:t>
+            </a:r>
+            <a:r>
+              <a:rPr lang="en-US" sz="1800" dirty="0">
+                <a:latin typeface="Sequel Sans Light Head" panose="020B0403050000020004" pitchFamily="34" charset="0"/>
+              </a:rPr>
+              <a:t>', 'Household Head Sex', 'Household Head Age', 'Household Head Marital Status', 'Household Head Highest Grade Completed', 'Household Head Job or Business Indicator', 'Household Head Occupation', 'Household Head Class of Worker', 'Type of Household', 'Total Number of Family members', 'Members with age less than 5 year old', 'Members with age 5 - 17 years old', 'Total number of family members employed', 'Type of Building/House', 'Type of Roof', 'Type of Walls', 'House Floor Area', 'House Age', 'Number of bedrooms', 'Tenure Status', 'Toilet Facilities', 'Electricity', 'Main Source of Water Supply', 'Number of Television', 'Number of CD/VCD/DVD', 'Number of Component/Stereo set', 'Number of Refrigerator/Freezer', 'Number of Washing Machine', 'Number of </a:t>
+            </a:r>
+            <a:r>
+              <a:rPr lang="en-US" sz="1800" dirty="0" err="1">
+                <a:latin typeface="Sequel Sans Light Head" panose="020B0403050000020004" pitchFamily="34" charset="0"/>
+              </a:rPr>
+              <a:t>Airconditioner</a:t>
+            </a:r>
+            <a:r>
+              <a:rPr lang="en-US" sz="1800" dirty="0">
+                <a:latin typeface="Sequel Sans Light Head" panose="020B0403050000020004" pitchFamily="34" charset="0"/>
+              </a:rPr>
+              <a:t>', 'Number of Car, Jeep, Van', 'Number of Landline/wireless telephones', 'Number of Cellular phone', 'Number of Personal Computer', 'Number of Stove with Oven/Gas Range', 'Number of Motorized Banca', 'Number of Motorcycle/Tricycle'</a:t>
+            </a:r>
+          </a:p>
+        </p:txBody>
+      </p:sp>
+    </p:spTree>
+    <p:extLst>
+      <p:ext uri="{BB962C8B-B14F-4D97-AF65-F5344CB8AC3E}">
+        <p14:creationId xmlns:p14="http://schemas.microsoft.com/office/powerpoint/2010/main" val="3443549154"/>
+      </p:ext>
+    </p:extLst>
+  </p:cSld>
+  <p:clrMapOvr>
+    <a:masterClrMapping/>
+  </p:clrMapOvr>
+</p:sld>
+</file>
+
+<file path=ppt/slides/slide4.xml><?xml version="1.0" encoding="utf-8"?>
+<p:sld xmlns:a="http://schemas.openxmlformats.org/drawingml/2006/main" xmlns:r="http://schemas.openxmlformats.org/officeDocument/2006/relationships" xmlns:p="http://schemas.openxmlformats.org/presentationml/2006/main">
+  <p:cSld>
+    <p:spTree>
+      <p:nvGrpSpPr>
+        <p:cNvPr id="1" name=""/>
+        <p:cNvGrpSpPr/>
+        <p:nvPr/>
+      </p:nvGrpSpPr>
+      <p:grpSpPr>
+        <a:xfrm>
+          <a:off x="0" y="0"/>
+          <a:ext cx="0" cy="0"/>
+          <a:chOff x="0" y="0"/>
+          <a:chExt cx="0" cy="0"/>
+        </a:xfrm>
+      </p:grpSpPr>
+      <p:sp>
+        <p:nvSpPr>
+          <p:cNvPr id="2" name="Title 1">
+            <a:extLst>
+              <a:ext uri="{FF2B5EF4-FFF2-40B4-BE49-F238E27FC236}">
+                <a16:creationId xmlns:a16="http://schemas.microsoft.com/office/drawing/2014/main" id="{1BA09FD6-46F5-C31F-0C82-3386D9271BB1}"/>
+              </a:ext>
+            </a:extLst>
+          </p:cNvPr>
+          <p:cNvSpPr>
+            <a:spLocks noGrp="1"/>
+          </p:cNvSpPr>
+          <p:nvPr>
+            <p:ph type="title"/>
+          </p:nvPr>
+        </p:nvSpPr>
+        <p:spPr/>
+        <p:txBody>
+          <a:bodyPr/>
+          <a:lstStyle/>
+          <a:p>
+            <a:r>
+              <a:rPr lang="en-US" dirty="0">
+                <a:latin typeface="Sequel Sans Semi Bold Disp" panose="020B0603050000020004" pitchFamily="34" charset="0"/>
+              </a:rPr>
+              <a:t>Income classification</a:t>
             </a:r>
             <a:endParaRPr lang="en-PH" dirty="0">
               <a:latin typeface="Sequel Sans Semi Bold Disp" panose="020B0603050000020004" pitchFamily="34" charset="0"/>
@@ -4889,8 +6001,8 @@
           </a:p>
         </p:txBody>
       </p:sp>
-      <mc:AlternateContent xmlns:mc="http://schemas.openxmlformats.org/markup-compatibility/2006">
-        <mc:Choice xmlns:a14="http://schemas.microsoft.com/office/drawing/2010/main" Requires="a14">
+      <mc:AlternateContent xmlns:mc="http://schemas.openxmlformats.org/markup-compatibility/2006" xmlns:a14="http://schemas.microsoft.com/office/drawing/2010/main">
+        <mc:Choice Requires="a14">
           <p:sp>
             <p:nvSpPr>
               <p:cNvPr id="16" name="TextBox 15">
@@ -4927,7 +6039,7 @@
                   <a:rPr lang="en-US" sz="2400" b="1" dirty="0">
                     <a:latin typeface="Sequel Sans Light Head" panose="020B0403050000020004" pitchFamily="34" charset="0"/>
                   </a:rPr>
-                  <a:t>Philippine Institute for Development Studies (PIDS) income classification scheme (monthly)</a:t>
+                  <a:t>Philippine Institute for Development Studies (PIDS) income classification scheme (yearly)</a:t>
                 </a:r>
               </a:p>
               <a:p>
@@ -4969,7 +6081,7 @@
                           <a:rPr lang="en-US" sz="2400" b="0" i="1" smtClean="0">
                             <a:latin typeface="Cambria Math" panose="02040503050406030204" pitchFamily="18" charset="0"/>
                           </a:rPr>
-                          <m:t>0,10957</m:t>
+                          <m:t>0, 131484</m:t>
                         </m:r>
                       </m:e>
                     </m:d>
@@ -5008,7 +6120,7 @@
                       <a:rPr lang="en-US" sz="2400" b="0" i="1" smtClean="0">
                         <a:latin typeface="Cambria Math" panose="02040503050406030204" pitchFamily="18" charset="0"/>
                       </a:rPr>
-                      <m:t>10957,  21194)</m:t>
+                      <m:t>131484,  254328)</m:t>
                     </m:r>
                   </m:oMath>
                 </a14:m>
@@ -5045,7 +6157,7 @@
                       <a:rPr lang="en-US" sz="2400" b="0" i="1" smtClean="0">
                         <a:latin typeface="Cambria Math" panose="02040503050406030204" pitchFamily="18" charset="0"/>
                       </a:rPr>
-                      <m:t>21194,  43828)</m:t>
+                      <m:t>254328,  525936)</m:t>
                     </m:r>
                   </m:oMath>
                 </a14:m>
@@ -5082,7 +6194,7 @@
                       <a:rPr lang="en-US" sz="2400" b="0" i="1" smtClean="0">
                         <a:latin typeface="Cambria Math" panose="02040503050406030204" pitchFamily="18" charset="0"/>
                       </a:rPr>
-                      <m:t>43828,  76669)</m:t>
+                      <m:t>525936,  920028)</m:t>
                     </m:r>
                   </m:oMath>
                 </a14:m>
@@ -5119,7 +6231,7 @@
                       <a:rPr lang="en-US" sz="2400" b="0" i="1" smtClean="0">
                         <a:latin typeface="Cambria Math" panose="02040503050406030204" pitchFamily="18" charset="0"/>
                       </a:rPr>
-                      <m:t>76669, 131484)</m:t>
+                      <m:t>920028, 1577808)</m:t>
                     </m:r>
                   </m:oMath>
                 </a14:m>
@@ -5156,7 +6268,7 @@
                       <a:rPr lang="en-US" sz="2400" b="0" i="1" smtClean="0">
                         <a:latin typeface="Cambria Math" panose="02040503050406030204" pitchFamily="18" charset="0"/>
                       </a:rPr>
-                      <m:t>131484, 219140)</m:t>
+                      <m:t>1577808, 2629680)</m:t>
                     </m:r>
                   </m:oMath>
                 </a14:m>
@@ -5197,7 +6309,7 @@
                           <a:rPr lang="en-US" sz="2400" b="0" i="1" smtClean="0">
                             <a:latin typeface="Cambria Math" panose="02040503050406030204" pitchFamily="18" charset="0"/>
                           </a:rPr>
-                          <m:t>219140,∞</m:t>
+                          <m:t>2629680,∞</m:t>
                         </m:r>
                       </m:e>
                     </m:d>
@@ -5243,7 +6355,7 @@
             </p:txBody>
           </p:sp>
         </mc:Choice>
-        <mc:Fallback>
+        <mc:Fallback xmlns="">
           <p:sp>
             <p:nvSpPr>
               <p:cNvPr id="16" name="TextBox 15">
@@ -5301,7 +6413,7 @@
 </p:sld>
 </file>
 
-<file path=ppt/slides/slide4.xml><?xml version="1.0" encoding="utf-8"?>
+<file path=ppt/slides/slide5.xml><?xml version="1.0" encoding="utf-8"?>
 <p:sld xmlns:a="http://schemas.openxmlformats.org/drawingml/2006/main" xmlns:r="http://schemas.openxmlformats.org/officeDocument/2006/relationships" xmlns:p="http://schemas.openxmlformats.org/presentationml/2006/main">
   <p:cSld>
     <p:spTree>
@@ -5343,7 +6455,7 @@
               <a:rPr lang="en-US" dirty="0">
                 <a:latin typeface="Sequel Sans Semi Bold Disp" panose="020B0603050000020004" pitchFamily="34" charset="0"/>
               </a:rPr>
-              <a:t>Income inequality</a:t>
+              <a:t>Income classification</a:t>
             </a:r>
             <a:endParaRPr lang="en-PH" dirty="0">
               <a:latin typeface="Sequel Sans Semi Bold Disp" panose="020B0603050000020004" pitchFamily="34" charset="0"/>
@@ -5351,94 +6463,6 @@
           </a:p>
         </p:txBody>
       </p:sp>
-      <p:sp>
-        <p:nvSpPr>
-          <p:cNvPr id="3" name="Content Placeholder 2">
-            <a:extLst>
-              <a:ext uri="{FF2B5EF4-FFF2-40B4-BE49-F238E27FC236}">
-                <a16:creationId xmlns:a16="http://schemas.microsoft.com/office/drawing/2014/main" id="{3CC2E4E6-5CB3-4431-4AD8-40987D6FD123}"/>
-              </a:ext>
-            </a:extLst>
-          </p:cNvPr>
-          <p:cNvSpPr>
-            <a:spLocks noGrp="1"/>
-          </p:cNvSpPr>
-          <p:nvPr>
-            <p:ph idx="1"/>
-          </p:nvPr>
-        </p:nvSpPr>
-        <p:spPr>
-          <a:xfrm>
-            <a:off x="838200" y="2928280"/>
-            <a:ext cx="3061137" cy="1001439"/>
-          </a:xfrm>
-        </p:spPr>
-        <p:txBody>
-          <a:bodyPr>
-            <a:normAutofit/>
-          </a:bodyPr>
-          <a:lstStyle/>
-          <a:p>
-            <a:pPr marL="0" indent="0" algn="ctr">
-              <a:buNone/>
-            </a:pPr>
-            <a:r>
-              <a:rPr lang="en-US" dirty="0">
-                <a:latin typeface="Sequel Sans Light Head" panose="020B0403050000020004" pitchFamily="34" charset="0"/>
-              </a:rPr>
-              <a:t>Majority of Filipinos are </a:t>
-            </a:r>
-            <a:r>
-              <a:rPr lang="en-US" b="1" dirty="0">
-                <a:latin typeface="Sequel Sans Light Head" panose="020B0403050000020004" pitchFamily="34" charset="0"/>
-              </a:rPr>
-              <a:t>poor</a:t>
-            </a:r>
-            <a:r>
-              <a:rPr lang="en-US" dirty="0">
-                <a:latin typeface="Sequel Sans Light Head" panose="020B0403050000020004" pitchFamily="34" charset="0"/>
-              </a:rPr>
-              <a:t>.</a:t>
-            </a:r>
-          </a:p>
-        </p:txBody>
-      </p:sp>
-      <p:pic>
-        <p:nvPicPr>
-          <p:cNvPr id="8" name="Picture 7">
-            <a:extLst>
-              <a:ext uri="{FF2B5EF4-FFF2-40B4-BE49-F238E27FC236}">
-                <a16:creationId xmlns:a16="http://schemas.microsoft.com/office/drawing/2014/main" id="{74C080D9-2ECF-0289-C5C8-5A8D94AF3EDA}"/>
-              </a:ext>
-            </a:extLst>
-          </p:cNvPr>
-          <p:cNvPicPr>
-            <a:picLocks noChangeAspect="1"/>
-          </p:cNvPicPr>
-          <p:nvPr/>
-        </p:nvPicPr>
-        <p:blipFill>
-          <a:blip r:embed="rId2">
-            <a:extLst>
-              <a:ext uri="{28A0092B-C50C-407E-A947-70E740481C1C}">
-                <a14:useLocalDpi xmlns:a14="http://schemas.microsoft.com/office/drawing/2010/main" val="0"/>
-              </a:ext>
-            </a:extLst>
-          </a:blip>
-          <a:stretch>
-            <a:fillRect/>
-          </a:stretch>
-        </p:blipFill>
-        <p:spPr>
-          <a:xfrm>
-            <a:off x="4324090" y="1690688"/>
-            <a:ext cx="7029710" cy="4186212"/>
-          </a:xfrm>
-          <a:prstGeom prst="rect">
-            <a:avLst/>
-          </a:prstGeom>
-        </p:spPr>
-      </p:pic>
       <p:sp>
         <p:nvSpPr>
           <p:cNvPr id="9" name="Content Placeholder 2">
@@ -5635,19 +6659,75 @@
               <a:buFont typeface="Arial" panose="020B0604020202020204" pitchFamily="34" charset="0"/>
               <a:buNone/>
             </a:pPr>
-            <a:r>
-              <a:rPr lang="en-US" sz="1400" dirty="0">
-                <a:latin typeface="Sequel Sans Light Head" panose="020B0403050000020004" pitchFamily="34" charset="0"/>
-              </a:rPr>
-              <a:t>Philippine Institute for Development Studies (PIDS) income classification scheme</a:t>
-            </a:r>
-          </a:p>
-        </p:txBody>
-      </p:sp>
+            <a:endParaRPr lang="en-US" sz="1400" dirty="0">
+              <a:latin typeface="Sequel Sans Light Head" panose="020B0403050000020004" pitchFamily="34" charset="0"/>
+            </a:endParaRPr>
+          </a:p>
+        </p:txBody>
+      </p:sp>
+      <p:pic>
+        <p:nvPicPr>
+          <p:cNvPr id="4" name="Picture 3">
+            <a:extLst>
+              <a:ext uri="{FF2B5EF4-FFF2-40B4-BE49-F238E27FC236}">
+                <a16:creationId xmlns:a16="http://schemas.microsoft.com/office/drawing/2014/main" id="{0E037DD4-24AB-7491-C510-4CE43B8B11E7}"/>
+              </a:ext>
+            </a:extLst>
+          </p:cNvPr>
+          <p:cNvPicPr>
+            <a:picLocks noChangeAspect="1"/>
+          </p:cNvPicPr>
+          <p:nvPr/>
+        </p:nvPicPr>
+        <p:blipFill>
+          <a:blip r:embed="rId2"/>
+          <a:stretch>
+            <a:fillRect/>
+          </a:stretch>
+        </p:blipFill>
+        <p:spPr>
+          <a:xfrm>
+            <a:off x="838200" y="5546164"/>
+            <a:ext cx="10515600" cy="699175"/>
+          </a:xfrm>
+          <a:prstGeom prst="rect">
+            <a:avLst/>
+          </a:prstGeom>
+        </p:spPr>
+      </p:pic>
+      <p:pic>
+        <p:nvPicPr>
+          <p:cNvPr id="6" name="Picture 5">
+            <a:extLst>
+              <a:ext uri="{FF2B5EF4-FFF2-40B4-BE49-F238E27FC236}">
+                <a16:creationId xmlns:a16="http://schemas.microsoft.com/office/drawing/2014/main" id="{44A87AE5-AF7D-282F-31C2-FA2F2309913D}"/>
+              </a:ext>
+            </a:extLst>
+          </p:cNvPr>
+          <p:cNvPicPr>
+            <a:picLocks noChangeAspect="1"/>
+          </p:cNvPicPr>
+          <p:nvPr/>
+        </p:nvPicPr>
+        <p:blipFill rotWithShape="1">
+          <a:blip r:embed="rId3"/>
+          <a:srcRect b="2583"/>
+          <a:stretch/>
+        </p:blipFill>
+        <p:spPr>
+          <a:xfrm>
+            <a:off x="3970337" y="1638168"/>
+            <a:ext cx="4251325" cy="3581664"/>
+          </a:xfrm>
+          <a:prstGeom prst="rect">
+            <a:avLst/>
+          </a:prstGeom>
+        </p:spPr>
+      </p:pic>
     </p:spTree>
     <p:extLst>
       <p:ext uri="{BB962C8B-B14F-4D97-AF65-F5344CB8AC3E}">
-        <p14:creationId xmlns:p14="http://schemas.microsoft.com/office/powerpoint/2010/main" val="1471227882"/>
+        <p14:creationId xmlns:p14="http://schemas.microsoft.com/office/powerpoint/2010/main" val="1263420550"/>
       </p:ext>
     </p:extLst>
   </p:cSld>
@@ -5657,7 +6737,7 @@
 </p:sld>
 </file>
 
-<file path=ppt/slides/slide5.xml><?xml version="1.0" encoding="utf-8"?>
+<file path=ppt/slides/slide6.xml><?xml version="1.0" encoding="utf-8"?>
 <p:sld xmlns:a="http://schemas.openxmlformats.org/drawingml/2006/main" xmlns:r="http://schemas.openxmlformats.org/officeDocument/2006/relationships" xmlns:p="http://schemas.openxmlformats.org/presentationml/2006/main">
   <p:cSld>
     <p:spTree>
@@ -5699,7 +6779,7 @@
               <a:rPr lang="en-US" dirty="0">
                 <a:latin typeface="Sequel Sans Semi Bold Disp" panose="020B0603050000020004" pitchFamily="34" charset="0"/>
               </a:rPr>
-              <a:t>Income inequality</a:t>
+              <a:t>Income classification</a:t>
             </a:r>
             <a:endParaRPr lang="en-PH" dirty="0">
               <a:latin typeface="Sequel Sans Semi Bold Disp" panose="020B0603050000020004" pitchFamily="34" charset="0"/>
@@ -5707,8 +6787,364 @@
           </a:p>
         </p:txBody>
       </p:sp>
-      <mc:AlternateContent xmlns:mc="http://schemas.openxmlformats.org/markup-compatibility/2006">
-        <mc:Choice xmlns:a14="http://schemas.microsoft.com/office/drawing/2010/main" Requires="a14">
+      <p:sp>
+        <p:nvSpPr>
+          <p:cNvPr id="3" name="Content Placeholder 2">
+            <a:extLst>
+              <a:ext uri="{FF2B5EF4-FFF2-40B4-BE49-F238E27FC236}">
+                <a16:creationId xmlns:a16="http://schemas.microsoft.com/office/drawing/2014/main" id="{3CC2E4E6-5CB3-4431-4AD8-40987D6FD123}"/>
+              </a:ext>
+            </a:extLst>
+          </p:cNvPr>
+          <p:cNvSpPr>
+            <a:spLocks noGrp="1"/>
+          </p:cNvSpPr>
+          <p:nvPr>
+            <p:ph idx="1"/>
+          </p:nvPr>
+        </p:nvSpPr>
+        <p:spPr>
+          <a:xfrm>
+            <a:off x="838200" y="2928280"/>
+            <a:ext cx="3061137" cy="1001439"/>
+          </a:xfrm>
+        </p:spPr>
+        <p:txBody>
+          <a:bodyPr>
+            <a:normAutofit/>
+          </a:bodyPr>
+          <a:lstStyle/>
+          <a:p>
+            <a:pPr marL="0" indent="0" algn="ctr">
+              <a:buNone/>
+            </a:pPr>
+            <a:r>
+              <a:rPr lang="en-US" dirty="0">
+                <a:latin typeface="Sequel Sans Light Head" panose="020B0403050000020004" pitchFamily="34" charset="0"/>
+              </a:rPr>
+              <a:t>Majority of Filipinos are </a:t>
+            </a:r>
+            <a:r>
+              <a:rPr lang="en-US" b="1" dirty="0">
+                <a:latin typeface="Sequel Sans Light Head" panose="020B0403050000020004" pitchFamily="34" charset="0"/>
+              </a:rPr>
+              <a:t>poor</a:t>
+            </a:r>
+            <a:r>
+              <a:rPr lang="en-US" dirty="0">
+                <a:latin typeface="Sequel Sans Light Head" panose="020B0403050000020004" pitchFamily="34" charset="0"/>
+              </a:rPr>
+              <a:t>.</a:t>
+            </a:r>
+          </a:p>
+        </p:txBody>
+      </p:sp>
+      <p:pic>
+        <p:nvPicPr>
+          <p:cNvPr id="8" name="Picture 7">
+            <a:extLst>
+              <a:ext uri="{FF2B5EF4-FFF2-40B4-BE49-F238E27FC236}">
+                <a16:creationId xmlns:a16="http://schemas.microsoft.com/office/drawing/2014/main" id="{74C080D9-2ECF-0289-C5C8-5A8D94AF3EDA}"/>
+              </a:ext>
+            </a:extLst>
+          </p:cNvPr>
+          <p:cNvPicPr>
+            <a:picLocks noChangeAspect="1"/>
+          </p:cNvPicPr>
+          <p:nvPr/>
+        </p:nvPicPr>
+        <p:blipFill>
+          <a:blip r:embed="rId2">
+            <a:extLst>
+              <a:ext uri="{28A0092B-C50C-407E-A947-70E740481C1C}">
+                <a14:useLocalDpi xmlns:a14="http://schemas.microsoft.com/office/drawing/2010/main" val="0"/>
+              </a:ext>
+            </a:extLst>
+          </a:blip>
+          <a:stretch>
+            <a:fillRect/>
+          </a:stretch>
+        </p:blipFill>
+        <p:spPr>
+          <a:xfrm>
+            <a:off x="4324090" y="1690688"/>
+            <a:ext cx="7029710" cy="4186212"/>
+          </a:xfrm>
+          <a:prstGeom prst="rect">
+            <a:avLst/>
+          </a:prstGeom>
+        </p:spPr>
+      </p:pic>
+      <p:sp>
+        <p:nvSpPr>
+          <p:cNvPr id="9" name="Content Placeholder 2">
+            <a:extLst>
+              <a:ext uri="{FF2B5EF4-FFF2-40B4-BE49-F238E27FC236}">
+                <a16:creationId xmlns:a16="http://schemas.microsoft.com/office/drawing/2014/main" id="{0B8C2D45-460C-D660-9531-20A7F0D4C1BB}"/>
+              </a:ext>
+            </a:extLst>
+          </p:cNvPr>
+          <p:cNvSpPr txBox="1">
+            <a:spLocks/>
+          </p:cNvSpPr>
+          <p:nvPr/>
+        </p:nvSpPr>
+        <p:spPr>
+          <a:xfrm>
+            <a:off x="838200" y="6519151"/>
+            <a:ext cx="10830911" cy="315912"/>
+          </a:xfrm>
+          <a:prstGeom prst="rect">
+            <a:avLst/>
+          </a:prstGeom>
+        </p:spPr>
+        <p:txBody>
+          <a:bodyPr vert="horz" lIns="91440" tIns="45720" rIns="91440" bIns="45720" rtlCol="0">
+            <a:normAutofit/>
+          </a:bodyPr>
+          <a:lstStyle>
+            <a:lvl1pPr marL="228600" indent="-228600" algn="l" defTabSz="914400" rtl="0" eaLnBrk="1" latinLnBrk="0" hangingPunct="1">
+              <a:lnSpc>
+                <a:spcPct val="90000"/>
+              </a:lnSpc>
+              <a:spcBef>
+                <a:spcPts val="1000"/>
+              </a:spcBef>
+              <a:buFont typeface="Arial" panose="020B0604020202020204" pitchFamily="34" charset="0"/>
+              <a:buChar char="•"/>
+              <a:defRPr sz="2800" kern="1200">
+                <a:solidFill>
+                  <a:schemeClr val="tx1"/>
+                </a:solidFill>
+                <a:latin typeface="+mn-lt"/>
+                <a:ea typeface="+mn-ea"/>
+                <a:cs typeface="+mn-cs"/>
+              </a:defRPr>
+            </a:lvl1pPr>
+            <a:lvl2pPr marL="685800" indent="-228600" algn="l" defTabSz="914400" rtl="0" eaLnBrk="1" latinLnBrk="0" hangingPunct="1">
+              <a:lnSpc>
+                <a:spcPct val="90000"/>
+              </a:lnSpc>
+              <a:spcBef>
+                <a:spcPts val="500"/>
+              </a:spcBef>
+              <a:buFont typeface="Arial" panose="020B0604020202020204" pitchFamily="34" charset="0"/>
+              <a:buChar char="•"/>
+              <a:defRPr sz="2400" kern="1200">
+                <a:solidFill>
+                  <a:schemeClr val="tx1"/>
+                </a:solidFill>
+                <a:latin typeface="+mn-lt"/>
+                <a:ea typeface="+mn-ea"/>
+                <a:cs typeface="+mn-cs"/>
+              </a:defRPr>
+            </a:lvl2pPr>
+            <a:lvl3pPr marL="1143000" indent="-228600" algn="l" defTabSz="914400" rtl="0" eaLnBrk="1" latinLnBrk="0" hangingPunct="1">
+              <a:lnSpc>
+                <a:spcPct val="90000"/>
+              </a:lnSpc>
+              <a:spcBef>
+                <a:spcPts val="500"/>
+              </a:spcBef>
+              <a:buFont typeface="Arial" panose="020B0604020202020204" pitchFamily="34" charset="0"/>
+              <a:buChar char="•"/>
+              <a:defRPr sz="2000" kern="1200">
+                <a:solidFill>
+                  <a:schemeClr val="tx1"/>
+                </a:solidFill>
+                <a:latin typeface="+mn-lt"/>
+                <a:ea typeface="+mn-ea"/>
+                <a:cs typeface="+mn-cs"/>
+              </a:defRPr>
+            </a:lvl3pPr>
+            <a:lvl4pPr marL="1600200" indent="-228600" algn="l" defTabSz="914400" rtl="0" eaLnBrk="1" latinLnBrk="0" hangingPunct="1">
+              <a:lnSpc>
+                <a:spcPct val="90000"/>
+              </a:lnSpc>
+              <a:spcBef>
+                <a:spcPts val="500"/>
+              </a:spcBef>
+              <a:buFont typeface="Arial" panose="020B0604020202020204" pitchFamily="34" charset="0"/>
+              <a:buChar char="•"/>
+              <a:defRPr sz="1800" kern="1200">
+                <a:solidFill>
+                  <a:schemeClr val="tx1"/>
+                </a:solidFill>
+                <a:latin typeface="+mn-lt"/>
+                <a:ea typeface="+mn-ea"/>
+                <a:cs typeface="+mn-cs"/>
+              </a:defRPr>
+            </a:lvl4pPr>
+            <a:lvl5pPr marL="2057400" indent="-228600" algn="l" defTabSz="914400" rtl="0" eaLnBrk="1" latinLnBrk="0" hangingPunct="1">
+              <a:lnSpc>
+                <a:spcPct val="90000"/>
+              </a:lnSpc>
+              <a:spcBef>
+                <a:spcPts val="500"/>
+              </a:spcBef>
+              <a:buFont typeface="Arial" panose="020B0604020202020204" pitchFamily="34" charset="0"/>
+              <a:buChar char="•"/>
+              <a:defRPr sz="1800" kern="1200">
+                <a:solidFill>
+                  <a:schemeClr val="tx1"/>
+                </a:solidFill>
+                <a:latin typeface="+mn-lt"/>
+                <a:ea typeface="+mn-ea"/>
+                <a:cs typeface="+mn-cs"/>
+              </a:defRPr>
+            </a:lvl5pPr>
+            <a:lvl6pPr marL="2514600" indent="-228600" algn="l" defTabSz="914400" rtl="0" eaLnBrk="1" latinLnBrk="0" hangingPunct="1">
+              <a:lnSpc>
+                <a:spcPct val="90000"/>
+              </a:lnSpc>
+              <a:spcBef>
+                <a:spcPts val="500"/>
+              </a:spcBef>
+              <a:buFont typeface="Arial" panose="020B0604020202020204" pitchFamily="34" charset="0"/>
+              <a:buChar char="•"/>
+              <a:defRPr sz="1800" kern="1200">
+                <a:solidFill>
+                  <a:schemeClr val="tx1"/>
+                </a:solidFill>
+                <a:latin typeface="+mn-lt"/>
+                <a:ea typeface="+mn-ea"/>
+                <a:cs typeface="+mn-cs"/>
+              </a:defRPr>
+            </a:lvl6pPr>
+            <a:lvl7pPr marL="2971800" indent="-228600" algn="l" defTabSz="914400" rtl="0" eaLnBrk="1" latinLnBrk="0" hangingPunct="1">
+              <a:lnSpc>
+                <a:spcPct val="90000"/>
+              </a:lnSpc>
+              <a:spcBef>
+                <a:spcPts val="500"/>
+              </a:spcBef>
+              <a:buFont typeface="Arial" panose="020B0604020202020204" pitchFamily="34" charset="0"/>
+              <a:buChar char="•"/>
+              <a:defRPr sz="1800" kern="1200">
+                <a:solidFill>
+                  <a:schemeClr val="tx1"/>
+                </a:solidFill>
+                <a:latin typeface="+mn-lt"/>
+                <a:ea typeface="+mn-ea"/>
+                <a:cs typeface="+mn-cs"/>
+              </a:defRPr>
+            </a:lvl7pPr>
+            <a:lvl8pPr marL="3429000" indent="-228600" algn="l" defTabSz="914400" rtl="0" eaLnBrk="1" latinLnBrk="0" hangingPunct="1">
+              <a:lnSpc>
+                <a:spcPct val="90000"/>
+              </a:lnSpc>
+              <a:spcBef>
+                <a:spcPts val="500"/>
+              </a:spcBef>
+              <a:buFont typeface="Arial" panose="020B0604020202020204" pitchFamily="34" charset="0"/>
+              <a:buChar char="•"/>
+              <a:defRPr sz="1800" kern="1200">
+                <a:solidFill>
+                  <a:schemeClr val="tx1"/>
+                </a:solidFill>
+                <a:latin typeface="+mn-lt"/>
+                <a:ea typeface="+mn-ea"/>
+                <a:cs typeface="+mn-cs"/>
+              </a:defRPr>
+            </a:lvl8pPr>
+            <a:lvl9pPr marL="3886200" indent="-228600" algn="l" defTabSz="914400" rtl="0" eaLnBrk="1" latinLnBrk="0" hangingPunct="1">
+              <a:lnSpc>
+                <a:spcPct val="90000"/>
+              </a:lnSpc>
+              <a:spcBef>
+                <a:spcPts val="500"/>
+              </a:spcBef>
+              <a:buFont typeface="Arial" panose="020B0604020202020204" pitchFamily="34" charset="0"/>
+              <a:buChar char="•"/>
+              <a:defRPr sz="1800" kern="1200">
+                <a:solidFill>
+                  <a:schemeClr val="tx1"/>
+                </a:solidFill>
+                <a:latin typeface="+mn-lt"/>
+                <a:ea typeface="+mn-ea"/>
+                <a:cs typeface="+mn-cs"/>
+              </a:defRPr>
+            </a:lvl9pPr>
+          </a:lstStyle>
+          <a:p>
+            <a:pPr marL="0" indent="0">
+              <a:buFont typeface="Arial" panose="020B0604020202020204" pitchFamily="34" charset="0"/>
+              <a:buNone/>
+            </a:pPr>
+            <a:r>
+              <a:rPr lang="en-US" sz="1400" dirty="0">
+                <a:latin typeface="Sequel Sans Light Head" panose="020B0403050000020004" pitchFamily="34" charset="0"/>
+              </a:rPr>
+              <a:t>Philippine Institute for Development Studies (PIDS) income classification scheme</a:t>
+            </a:r>
+          </a:p>
+        </p:txBody>
+      </p:sp>
+    </p:spTree>
+    <p:extLst>
+      <p:ext uri="{BB962C8B-B14F-4D97-AF65-F5344CB8AC3E}">
+        <p14:creationId xmlns:p14="http://schemas.microsoft.com/office/powerpoint/2010/main" val="1471227882"/>
+      </p:ext>
+    </p:extLst>
+  </p:cSld>
+  <p:clrMapOvr>
+    <a:masterClrMapping/>
+  </p:clrMapOvr>
+</p:sld>
+</file>
+
+<file path=ppt/slides/slide7.xml><?xml version="1.0" encoding="utf-8"?>
+<p:sld xmlns:a="http://schemas.openxmlformats.org/drawingml/2006/main" xmlns:r="http://schemas.openxmlformats.org/officeDocument/2006/relationships" xmlns:p="http://schemas.openxmlformats.org/presentationml/2006/main">
+  <p:cSld>
+    <p:spTree>
+      <p:nvGrpSpPr>
+        <p:cNvPr id="1" name=""/>
+        <p:cNvGrpSpPr/>
+        <p:nvPr/>
+      </p:nvGrpSpPr>
+      <p:grpSpPr>
+        <a:xfrm>
+          <a:off x="0" y="0"/>
+          <a:ext cx="0" cy="0"/>
+          <a:chOff x="0" y="0"/>
+          <a:chExt cx="0" cy="0"/>
+        </a:xfrm>
+      </p:grpSpPr>
+      <p:sp>
+        <p:nvSpPr>
+          <p:cNvPr id="2" name="Title 1">
+            <a:extLst>
+              <a:ext uri="{FF2B5EF4-FFF2-40B4-BE49-F238E27FC236}">
+                <a16:creationId xmlns:a16="http://schemas.microsoft.com/office/drawing/2014/main" id="{1BA09FD6-46F5-C31F-0C82-3386D9271BB1}"/>
+              </a:ext>
+            </a:extLst>
+          </p:cNvPr>
+          <p:cNvSpPr>
+            <a:spLocks noGrp="1"/>
+          </p:cNvSpPr>
+          <p:nvPr>
+            <p:ph type="title"/>
+          </p:nvPr>
+        </p:nvSpPr>
+        <p:spPr/>
+        <p:txBody>
+          <a:bodyPr/>
+          <a:lstStyle/>
+          <a:p>
+            <a:r>
+              <a:rPr lang="en-US" dirty="0">
+                <a:latin typeface="Sequel Sans Semi Bold Disp" panose="020B0603050000020004" pitchFamily="34" charset="0"/>
+              </a:rPr>
+              <a:t>Income inequality</a:t>
+            </a:r>
+            <a:endParaRPr lang="en-PH" dirty="0">
+              <a:latin typeface="Sequel Sans Semi Bold Disp" panose="020B0603050000020004" pitchFamily="34" charset="0"/>
+            </a:endParaRPr>
+          </a:p>
+        </p:txBody>
+      </p:sp>
+      <mc:AlternateContent xmlns:mc="http://schemas.openxmlformats.org/markup-compatibility/2006" xmlns:a14="http://schemas.microsoft.com/office/drawing/2010/main">
+        <mc:Choice Requires="a14">
           <p:sp>
             <p:nvSpPr>
               <p:cNvPr id="3" name="Content Placeholder 2">
@@ -5801,7 +7237,7 @@
             </p:txBody>
           </p:sp>
         </mc:Choice>
-        <mc:Fallback>
+        <mc:Fallback xmlns="">
           <p:sp>
             <p:nvSpPr>
               <p:cNvPr id="3" name="Content Placeholder 2">
@@ -5894,7 +7330,7 @@
 </p:sld>
 </file>
 
-<file path=ppt/slides/slide6.xml><?xml version="1.0" encoding="utf-8"?>
+<file path=ppt/slides/slide8.xml><?xml version="1.0" encoding="utf-8"?>
 <p:sld xmlns:a="http://schemas.openxmlformats.org/drawingml/2006/main" xmlns:r="http://schemas.openxmlformats.org/officeDocument/2006/relationships" xmlns:p="http://schemas.openxmlformats.org/presentationml/2006/main">
   <p:cSld>
     <p:spTree>
@@ -5944,8 +7380,8 @@
           </a:p>
         </p:txBody>
       </p:sp>
-      <mc:AlternateContent xmlns:mc="http://schemas.openxmlformats.org/markup-compatibility/2006">
-        <mc:Choice xmlns:a14="http://schemas.microsoft.com/office/drawing/2010/main" Requires="a14">
+      <mc:AlternateContent xmlns:mc="http://schemas.openxmlformats.org/markup-compatibility/2006" xmlns:a14="http://schemas.microsoft.com/office/drawing/2010/main">
+        <mc:Choice Requires="a14">
           <p:sp>
             <p:nvSpPr>
               <p:cNvPr id="3" name="Content Placeholder 2">
@@ -5979,7 +7415,7 @@
                   <a:rPr lang="en-US" sz="2400" dirty="0">
                     <a:latin typeface="Sequel Sans Light Head" panose="020B0403050000020004" pitchFamily="34" charset="0"/>
                   </a:rPr>
-                  <a:t>The Gini coefficient is the area between the line of equality and the Lorenz curve.</a:t>
+                  <a:t>The Gini coefficient is twice the area between the line of equality and the Lorenz curve.</a:t>
                 </a:r>
               </a:p>
               <a:p>
@@ -6045,7 +7481,7 @@
             </p:txBody>
           </p:sp>
         </mc:Choice>
-        <mc:Fallback>
+        <mc:Fallback xmlns="">
           <p:sp>
             <p:nvSpPr>
               <p:cNvPr id="3" name="Content Placeholder 2">
@@ -6138,196 +7574,6 @@
 </p:sld>
 </file>
 
-<file path=ppt/slides/slide7.xml><?xml version="1.0" encoding="utf-8"?>
-<p:sld xmlns:a="http://schemas.openxmlformats.org/drawingml/2006/main" xmlns:r="http://schemas.openxmlformats.org/officeDocument/2006/relationships" xmlns:p="http://schemas.openxmlformats.org/presentationml/2006/main">
-  <p:cSld>
-    <p:spTree>
-      <p:nvGrpSpPr>
-        <p:cNvPr id="1" name=""/>
-        <p:cNvGrpSpPr/>
-        <p:nvPr/>
-      </p:nvGrpSpPr>
-      <p:grpSpPr>
-        <a:xfrm>
-          <a:off x="0" y="0"/>
-          <a:ext cx="0" cy="0"/>
-          <a:chOff x="0" y="0"/>
-          <a:chExt cx="0" cy="0"/>
-        </a:xfrm>
-      </p:grpSpPr>
-      <p:sp>
-        <p:nvSpPr>
-          <p:cNvPr id="2" name="Title 1">
-            <a:extLst>
-              <a:ext uri="{FF2B5EF4-FFF2-40B4-BE49-F238E27FC236}">
-                <a16:creationId xmlns:a16="http://schemas.microsoft.com/office/drawing/2014/main" id="{1BA09FD6-46F5-C31F-0C82-3386D9271BB1}"/>
-              </a:ext>
-            </a:extLst>
-          </p:cNvPr>
-          <p:cNvSpPr>
-            <a:spLocks noGrp="1"/>
-          </p:cNvSpPr>
-          <p:nvPr>
-            <p:ph type="title"/>
-          </p:nvPr>
-        </p:nvSpPr>
-        <p:spPr/>
-        <p:txBody>
-          <a:bodyPr/>
-          <a:lstStyle/>
-          <a:p>
-            <a:r>
-              <a:rPr lang="en-US" dirty="0">
-                <a:latin typeface="Sequel Sans Semi Bold Disp" panose="020B0603050000020004" pitchFamily="34" charset="0"/>
-              </a:rPr>
-              <a:t>Expenditure allocation</a:t>
-            </a:r>
-            <a:endParaRPr lang="en-PH" dirty="0">
-              <a:latin typeface="Sequel Sans Semi Bold Disp" panose="020B0603050000020004" pitchFamily="34" charset="0"/>
-            </a:endParaRPr>
-          </a:p>
-        </p:txBody>
-      </p:sp>
-      <p:pic>
-        <p:nvPicPr>
-          <p:cNvPr id="21" name="Picture 20">
-            <a:extLst>
-              <a:ext uri="{FF2B5EF4-FFF2-40B4-BE49-F238E27FC236}">
-                <a16:creationId xmlns:a16="http://schemas.microsoft.com/office/drawing/2014/main" id="{BF544BF0-4131-1C73-290F-3E2209BBC5DF}"/>
-              </a:ext>
-            </a:extLst>
-          </p:cNvPr>
-          <p:cNvPicPr>
-            <a:picLocks noChangeAspect="1"/>
-          </p:cNvPicPr>
-          <p:nvPr/>
-        </p:nvPicPr>
-        <p:blipFill rotWithShape="1">
-          <a:blip r:embed="rId2"/>
-          <a:srcRect l="7761" t="20620" r="17151" b="23721"/>
-          <a:stretch/>
-        </p:blipFill>
-        <p:spPr>
-          <a:xfrm>
-            <a:off x="996059" y="1882074"/>
-            <a:ext cx="10199882" cy="4252912"/>
-          </a:xfrm>
-          <a:prstGeom prst="rect">
-            <a:avLst/>
-          </a:prstGeom>
-        </p:spPr>
-      </p:pic>
-    </p:spTree>
-    <p:extLst>
-      <p:ext uri="{BB962C8B-B14F-4D97-AF65-F5344CB8AC3E}">
-        <p14:creationId xmlns:p14="http://schemas.microsoft.com/office/powerpoint/2010/main" val="3452561315"/>
-      </p:ext>
-    </p:extLst>
-  </p:cSld>
-  <p:clrMapOvr>
-    <a:masterClrMapping/>
-  </p:clrMapOvr>
-</p:sld>
-</file>
-
-<file path=ppt/slides/slide8.xml><?xml version="1.0" encoding="utf-8"?>
-<p:sld xmlns:a="http://schemas.openxmlformats.org/drawingml/2006/main" xmlns:r="http://schemas.openxmlformats.org/officeDocument/2006/relationships" xmlns:p="http://schemas.openxmlformats.org/presentationml/2006/main">
-  <p:cSld>
-    <p:spTree>
-      <p:nvGrpSpPr>
-        <p:cNvPr id="1" name=""/>
-        <p:cNvGrpSpPr/>
-        <p:nvPr/>
-      </p:nvGrpSpPr>
-      <p:grpSpPr>
-        <a:xfrm>
-          <a:off x="0" y="0"/>
-          <a:ext cx="0" cy="0"/>
-          <a:chOff x="0" y="0"/>
-          <a:chExt cx="0" cy="0"/>
-        </a:xfrm>
-      </p:grpSpPr>
-      <p:sp>
-        <p:nvSpPr>
-          <p:cNvPr id="2" name="Title 1">
-            <a:extLst>
-              <a:ext uri="{FF2B5EF4-FFF2-40B4-BE49-F238E27FC236}">
-                <a16:creationId xmlns:a16="http://schemas.microsoft.com/office/drawing/2014/main" id="{1BA09FD6-46F5-C31F-0C82-3386D9271BB1}"/>
-              </a:ext>
-            </a:extLst>
-          </p:cNvPr>
-          <p:cNvSpPr>
-            <a:spLocks noGrp="1"/>
-          </p:cNvSpPr>
-          <p:nvPr>
-            <p:ph type="title"/>
-          </p:nvPr>
-        </p:nvSpPr>
-        <p:spPr/>
-        <p:txBody>
-          <a:bodyPr/>
-          <a:lstStyle/>
-          <a:p>
-            <a:r>
-              <a:rPr lang="en-US" dirty="0">
-                <a:latin typeface="Sequel Sans Semi Bold Disp" panose="020B0603050000020004" pitchFamily="34" charset="0"/>
-              </a:rPr>
-              <a:t>Expenditure allocation</a:t>
-            </a:r>
-            <a:endParaRPr lang="en-PH" dirty="0">
-              <a:latin typeface="Sequel Sans Semi Bold Disp" panose="020B0603050000020004" pitchFamily="34" charset="0"/>
-            </a:endParaRPr>
-          </a:p>
-        </p:txBody>
-      </p:sp>
-      <p:pic>
-        <p:nvPicPr>
-          <p:cNvPr id="4" name="Picture 3" descr="A screenshot of a screen&#10;&#10;Description automatically generated">
-            <a:extLst>
-              <a:ext uri="{FF2B5EF4-FFF2-40B4-BE49-F238E27FC236}">
-                <a16:creationId xmlns:a16="http://schemas.microsoft.com/office/drawing/2014/main" id="{5E3F7ACE-0469-F7CA-DD44-9949A7C73F63}"/>
-              </a:ext>
-            </a:extLst>
-          </p:cNvPr>
-          <p:cNvPicPr>
-            <a:picLocks noChangeAspect="1"/>
-          </p:cNvPicPr>
-          <p:nvPr/>
-        </p:nvPicPr>
-        <p:blipFill rotWithShape="1">
-          <a:blip r:embed="rId2">
-            <a:extLst>
-              <a:ext uri="{28A0092B-C50C-407E-A947-70E740481C1C}">
-                <a14:useLocalDpi xmlns:a14="http://schemas.microsoft.com/office/drawing/2010/main" val="0"/>
-              </a:ext>
-            </a:extLst>
-          </a:blip>
-          <a:srcRect l="1828" b="3597"/>
-          <a:stretch/>
-        </p:blipFill>
-        <p:spPr>
-          <a:xfrm>
-            <a:off x="1433945" y="1690688"/>
-            <a:ext cx="9324109" cy="4802187"/>
-          </a:xfrm>
-          <a:prstGeom prst="rect">
-            <a:avLst/>
-          </a:prstGeom>
-        </p:spPr>
-      </p:pic>
-    </p:spTree>
-    <p:extLst>
-      <p:ext uri="{BB962C8B-B14F-4D97-AF65-F5344CB8AC3E}">
-        <p14:creationId xmlns:p14="http://schemas.microsoft.com/office/powerpoint/2010/main" val="1351437170"/>
-      </p:ext>
-    </p:extLst>
-  </p:cSld>
-  <p:clrMapOvr>
-    <a:masterClrMapping/>
-  </p:clrMapOvr>
-</p:sld>
-</file>
-
 <file path=ppt/slides/slide9.xml><?xml version="1.0" encoding="utf-8"?>
 <p:sld xmlns:a="http://schemas.openxmlformats.org/drawingml/2006/main" xmlns:r="http://schemas.openxmlformats.org/officeDocument/2006/relationships" xmlns:p="http://schemas.openxmlformats.org/presentationml/2006/main">
   <p:cSld>
@@ -6370,7 +7616,7 @@
               <a:rPr lang="en-US" dirty="0">
                 <a:latin typeface="Sequel Sans Semi Bold Disp" panose="020B0603050000020004" pitchFamily="34" charset="0"/>
               </a:rPr>
-              <a:t>Prediction Model</a:t>
+              <a:t>Income inequality</a:t>
             </a:r>
             <a:endParaRPr lang="en-PH" dirty="0">
               <a:latin typeface="Sequel Sans Semi Bold Disp" panose="020B0603050000020004" pitchFamily="34" charset="0"/>
@@ -6378,181 +7624,187 @@
           </a:p>
         </p:txBody>
       </p:sp>
-      <p:pic>
-        <p:nvPicPr>
-          <p:cNvPr id="8" name="Picture 7">
-            <a:extLst>
-              <a:ext uri="{FF2B5EF4-FFF2-40B4-BE49-F238E27FC236}">
-                <a16:creationId xmlns:a16="http://schemas.microsoft.com/office/drawing/2014/main" id="{6975AD39-0B4C-0903-0F78-5A7F178EC17C}"/>
-              </a:ext>
-            </a:extLst>
-          </p:cNvPr>
-          <p:cNvPicPr>
-            <a:picLocks noChangeAspect="1"/>
-          </p:cNvPicPr>
-          <p:nvPr/>
-        </p:nvPicPr>
-        <p:blipFill>
-          <a:blip r:embed="rId2"/>
-          <a:stretch>
-            <a:fillRect/>
-          </a:stretch>
-        </p:blipFill>
+      <p:sp>
+        <p:nvSpPr>
+          <p:cNvPr id="3" name="Content Placeholder 2">
+            <a:extLst>
+              <a:ext uri="{FF2B5EF4-FFF2-40B4-BE49-F238E27FC236}">
+                <a16:creationId xmlns:a16="http://schemas.microsoft.com/office/drawing/2014/main" id="{3CC2E4E6-5CB3-4431-4AD8-40987D6FD123}"/>
+              </a:ext>
+            </a:extLst>
+          </p:cNvPr>
+          <p:cNvSpPr>
+            <a:spLocks noGrp="1"/>
+          </p:cNvSpPr>
+          <p:nvPr>
+            <p:ph idx="1"/>
+          </p:nvPr>
+        </p:nvSpPr>
         <p:spPr>
           <a:xfrm>
-            <a:off x="838200" y="1600667"/>
-            <a:ext cx="6487634" cy="3656666"/>
+            <a:off x="838200" y="1825625"/>
+            <a:ext cx="10515600" cy="4351338"/>
+          </a:xfrm>
+        </p:spPr>
+        <p:txBody>
+          <a:bodyPr>
+            <a:normAutofit fontScale="92500" lnSpcReduction="10000"/>
+          </a:bodyPr>
+          <a:lstStyle/>
+          <a:p>
+            <a:pPr marL="0" indent="0" algn="ctr">
+              <a:buNone/>
+            </a:pPr>
+            <a:r>
+              <a:rPr lang="en-US" sz="2400" b="1" dirty="0">
+                <a:latin typeface="Sequel Sans Semi Bold Disp" panose="020B0603050000020004" pitchFamily="34" charset="0"/>
+              </a:rPr>
+              <a:t>Caveat</a:t>
+            </a:r>
+          </a:p>
+          <a:p>
+            <a:pPr marL="0" indent="0" algn="ctr">
+              <a:buNone/>
+            </a:pPr>
+            <a:r>
+              <a:rPr lang="en-US" sz="2400" dirty="0">
+                <a:latin typeface="Sequel Sans Light Head" panose="020B0403050000020004" pitchFamily="34" charset="0"/>
+              </a:rPr>
+              <a:t>We are </a:t>
+            </a:r>
+            <a:r>
+              <a:rPr lang="en-US" sz="2400" b="1" dirty="0">
+                <a:latin typeface="Sequel Sans Semi Bold Disp" panose="020B0603050000020004" pitchFamily="34" charset="0"/>
+              </a:rPr>
+              <a:t>not</a:t>
+            </a:r>
+            <a:r>
+              <a:rPr lang="en-US" sz="2400" dirty="0">
+                <a:latin typeface="Sequel Sans Light Head" panose="020B0403050000020004" pitchFamily="34" charset="0"/>
+              </a:rPr>
+              <a:t> proposing a solution to the problem of income inequality. </a:t>
+            </a:r>
+          </a:p>
+          <a:p>
+            <a:pPr algn="just"/>
+            <a:endParaRPr lang="en-US" sz="2400" dirty="0">
+              <a:latin typeface="Sequel Sans Light Head" panose="020B0403050000020004" pitchFamily="34" charset="0"/>
+            </a:endParaRPr>
+          </a:p>
+          <a:p>
+            <a:pPr algn="just"/>
+            <a:r>
+              <a:rPr lang="en-US" sz="2400" dirty="0">
+                <a:latin typeface="Sequel Sans Light Head" panose="020B0403050000020004" pitchFamily="34" charset="0"/>
+              </a:rPr>
+              <a:t>Income inequality is complex (Estudillo, 1997):</a:t>
+            </a:r>
+          </a:p>
+          <a:p>
+            <a:pPr lvl="1" algn="just"/>
+            <a:r>
+              <a:rPr lang="en-US" dirty="0">
+                <a:latin typeface="Sequel Sans Light Head" panose="020B0403050000020004" pitchFamily="34" charset="0"/>
+              </a:rPr>
+              <a:t>Rising proportion of urban households</a:t>
+            </a:r>
+          </a:p>
+          <a:p>
+            <a:pPr lvl="1" algn="just"/>
+            <a:r>
+              <a:rPr lang="en-US" dirty="0">
+                <a:latin typeface="Sequel Sans Light Head" panose="020B0403050000020004" pitchFamily="34" charset="0"/>
+              </a:rPr>
+              <a:t>Age distribution</a:t>
+            </a:r>
+          </a:p>
+          <a:p>
+            <a:pPr lvl="1" algn="just"/>
+            <a:r>
+              <a:rPr lang="en-US" dirty="0">
+                <a:latin typeface="Sequel Sans Light Head" panose="020B0403050000020004" pitchFamily="34" charset="0"/>
+              </a:rPr>
+              <a:t>Increasing number of highly educated households</a:t>
+            </a:r>
+          </a:p>
+          <a:p>
+            <a:pPr lvl="1" algn="just"/>
+            <a:r>
+              <a:rPr lang="en-US" dirty="0">
+                <a:latin typeface="Sequel Sans Light Head" panose="020B0403050000020004" pitchFamily="34" charset="0"/>
+              </a:rPr>
+              <a:t>Wage rate inequality</a:t>
+            </a:r>
+            <a:endParaRPr lang="en-US" sz="2000" dirty="0">
+              <a:latin typeface="Sequel Sans Light Head" panose="020B0403050000020004" pitchFamily="34" charset="0"/>
+            </a:endParaRPr>
+          </a:p>
+          <a:p>
+            <a:pPr lvl="1" algn="just"/>
+            <a:endParaRPr lang="en-US" sz="2000" dirty="0">
+              <a:latin typeface="Sequel Sans Light Head" panose="020B0403050000020004" pitchFamily="34" charset="0"/>
+            </a:endParaRPr>
+          </a:p>
+          <a:p>
+            <a:pPr marL="228600" lvl="1"/>
+            <a:r>
+              <a:rPr lang="en-US" dirty="0">
+                <a:latin typeface="Sequel Sans Light Head" panose="020B0403050000020004" pitchFamily="34" charset="0"/>
+              </a:rPr>
+              <a:t>Main question: </a:t>
+            </a:r>
+          </a:p>
+          <a:p>
+            <a:pPr marL="685800" lvl="2"/>
+            <a:r>
+              <a:rPr lang="en-US" sz="2400" dirty="0">
+                <a:latin typeface="Sequel Sans Light Head" panose="020B0403050000020004" pitchFamily="34" charset="0"/>
+              </a:rPr>
+              <a:t>How does income inequality affect the spending behavior of different income classes?</a:t>
+            </a:r>
+          </a:p>
+        </p:txBody>
+      </p:sp>
+      <p:sp>
+        <p:nvSpPr>
+          <p:cNvPr id="4" name="TextBox 3">
+            <a:extLst>
+              <a:ext uri="{FF2B5EF4-FFF2-40B4-BE49-F238E27FC236}">
+                <a16:creationId xmlns:a16="http://schemas.microsoft.com/office/drawing/2014/main" id="{1032BDE4-4788-EF04-F489-87970A51AB23}"/>
+              </a:ext>
+            </a:extLst>
+          </p:cNvPr>
+          <p:cNvSpPr txBox="1"/>
+          <p:nvPr/>
+        </p:nvSpPr>
+        <p:spPr>
+          <a:xfrm>
+            <a:off x="838200" y="6547940"/>
+            <a:ext cx="8559074" cy="307777"/>
           </a:xfrm>
           <a:prstGeom prst="rect">
             <a:avLst/>
           </a:prstGeom>
+          <a:noFill/>
         </p:spPr>
-      </p:pic>
-      <p:pic>
-        <p:nvPicPr>
-          <p:cNvPr id="10" name="Picture 9">
-            <a:extLst>
-              <a:ext uri="{FF2B5EF4-FFF2-40B4-BE49-F238E27FC236}">
-                <a16:creationId xmlns:a16="http://schemas.microsoft.com/office/drawing/2014/main" id="{9D81F82E-4ECF-8133-CDD6-A57B0EA57A99}"/>
-              </a:ext>
-            </a:extLst>
-          </p:cNvPr>
-          <p:cNvPicPr>
-            <a:picLocks noChangeAspect="1"/>
-          </p:cNvPicPr>
-          <p:nvPr/>
-        </p:nvPicPr>
-        <p:blipFill>
-          <a:blip r:embed="rId3"/>
-          <a:stretch>
-            <a:fillRect/>
-          </a:stretch>
-        </p:blipFill>
-        <p:spPr>
-          <a:xfrm>
-            <a:off x="838200" y="5351493"/>
-            <a:ext cx="6744527" cy="1141382"/>
-          </a:xfrm>
-          <a:prstGeom prst="rect">
-            <a:avLst/>
-          </a:prstGeom>
-        </p:spPr>
-      </p:pic>
-      <mc:AlternateContent xmlns:mc="http://schemas.openxmlformats.org/markup-compatibility/2006">
-        <mc:Choice xmlns:a14="http://schemas.microsoft.com/office/drawing/2010/main" Requires="a14">
-          <p:sp>
-            <p:nvSpPr>
-              <p:cNvPr id="11" name="TextBox 10">
-                <a:extLst>
-                  <a:ext uri="{FF2B5EF4-FFF2-40B4-BE49-F238E27FC236}">
-                    <a16:creationId xmlns:a16="http://schemas.microsoft.com/office/drawing/2014/main" id="{48D3C60A-58B8-42D4-B6CF-7809C7C4B3DC}"/>
-                  </a:ext>
-                </a:extLst>
-              </p:cNvPr>
-              <p:cNvSpPr txBox="1"/>
-              <p:nvPr/>
-            </p:nvSpPr>
-            <p:spPr>
-              <a:xfrm>
-                <a:off x="7582727" y="1690688"/>
-                <a:ext cx="2964771" cy="1569660"/>
-              </a:xfrm>
-              <a:prstGeom prst="rect">
-                <a:avLst/>
-              </a:prstGeom>
-              <a:noFill/>
-            </p:spPr>
-            <p:txBody>
-              <a:bodyPr wrap="square" rtlCol="0">
-                <a:spAutoFit/>
-              </a:bodyPr>
-              <a:lstStyle/>
-              <a:p>
-                <a:pPr marL="285750" indent="-285750">
-                  <a:buFont typeface="Arial" panose="020B0604020202020204" pitchFamily="34" charset="0"/>
-                  <a:buChar char="•"/>
-                </a:pPr>
-                <a14:m>
-                  <m:oMath xmlns:m="http://schemas.openxmlformats.org/officeDocument/2006/math">
-                    <m:r>
-                      <a:rPr lang="en-US" sz="2400" b="0" i="1" smtClean="0">
-                        <a:latin typeface="Cambria Math" panose="02040503050406030204" pitchFamily="18" charset="0"/>
-                      </a:rPr>
-                      <m:t>80−20</m:t>
-                    </m:r>
-                  </m:oMath>
-                </a14:m>
-                <a:r>
-                  <a:rPr lang="en-PH" sz="2400" dirty="0">
-                    <a:latin typeface="Sequel Sans Light Head" panose="020B0403050000020004" pitchFamily="34" charset="0"/>
-                  </a:rPr>
-                  <a:t> train-test division</a:t>
-                </a:r>
-              </a:p>
-              <a:p>
-                <a:pPr marL="285750" indent="-285750">
-                  <a:buFont typeface="Arial" panose="020B0604020202020204" pitchFamily="34" charset="0"/>
-                  <a:buChar char="•"/>
-                </a:pPr>
-                <a:r>
-                  <a:rPr lang="en-PH" sz="2400" dirty="0">
-                    <a:latin typeface="Sequel Sans Light Head" panose="020B0403050000020004" pitchFamily="34" charset="0"/>
-                  </a:rPr>
-                  <a:t>We use a random forest classifier</a:t>
-                </a:r>
-              </a:p>
-            </p:txBody>
-          </p:sp>
-        </mc:Choice>
-        <mc:Fallback>
-          <p:sp>
-            <p:nvSpPr>
-              <p:cNvPr id="11" name="TextBox 10">
-                <a:extLst>
-                  <a:ext uri="{FF2B5EF4-FFF2-40B4-BE49-F238E27FC236}">
-                    <a16:creationId xmlns:a16="http://schemas.microsoft.com/office/drawing/2014/main" id="{48D3C60A-58B8-42D4-B6CF-7809C7C4B3DC}"/>
-                  </a:ext>
-                </a:extLst>
-              </p:cNvPr>
-              <p:cNvSpPr txBox="1">
-                <a:spLocks noRot="1" noChangeAspect="1" noMove="1" noResize="1" noEditPoints="1" noAdjustHandles="1" noChangeArrowheads="1" noChangeShapeType="1" noTextEdit="1"/>
-              </p:cNvSpPr>
-              <p:nvPr/>
-            </p:nvSpPr>
-            <p:spPr>
-              <a:xfrm>
-                <a:off x="7582727" y="1690688"/>
-                <a:ext cx="2964771" cy="1569660"/>
-              </a:xfrm>
-              <a:prstGeom prst="rect">
-                <a:avLst/>
-              </a:prstGeom>
-              <a:blipFill>
-                <a:blip r:embed="rId4"/>
-                <a:stretch>
-                  <a:fillRect l="-2881" t="-3488" b="-7752"/>
-                </a:stretch>
-              </a:blipFill>
-            </p:spPr>
-            <p:txBody>
-              <a:bodyPr/>
-              <a:lstStyle/>
-              <a:p>
-                <a:r>
-                  <a:rPr lang="en-PH">
-                    <a:noFill/>
-                  </a:rPr>
-                  <a:t> </a:t>
-                </a:r>
-              </a:p>
-            </p:txBody>
-          </p:sp>
-        </mc:Fallback>
-      </mc:AlternateContent>
+        <p:txBody>
+          <a:bodyPr wrap="none" rtlCol="0">
+            <a:spAutoFit/>
+          </a:bodyPr>
+          <a:lstStyle/>
+          <a:p>
+            <a:r>
+              <a:rPr lang="en-US" sz="1400" dirty="0"/>
+              <a:t>Estudillo, J. P. (1997). Income inequality in the Philippines, 1961–91. The Developing Economies, 35(1), 68-95.</a:t>
+            </a:r>
+            <a:endParaRPr lang="en-PH" sz="1400" dirty="0"/>
+          </a:p>
+        </p:txBody>
+      </p:sp>
     </p:spTree>
     <p:extLst>
       <p:ext uri="{BB962C8B-B14F-4D97-AF65-F5344CB8AC3E}">
-        <p14:creationId xmlns:p14="http://schemas.microsoft.com/office/powerpoint/2010/main" val="515429980"/>
+        <p14:creationId xmlns:p14="http://schemas.microsoft.com/office/powerpoint/2010/main" val="3170195468"/>
       </p:ext>
     </p:extLst>
   </p:cSld>
